--- a/!Полосин 4.205-2 Презентация.pptx
+++ b/!Полосин 4.205-2 Презентация.pptx
@@ -9,16 +9,15 @@
     <p:sldId id="258" r:id="rId3"/>
     <p:sldId id="259" r:id="rId4"/>
     <p:sldId id="260" r:id="rId5"/>
-    <p:sldId id="281" r:id="rId6"/>
-    <p:sldId id="272" r:id="rId7"/>
-    <p:sldId id="277" r:id="rId8"/>
-    <p:sldId id="278" r:id="rId9"/>
-    <p:sldId id="279" r:id="rId10"/>
-    <p:sldId id="280" r:id="rId11"/>
-    <p:sldId id="282" r:id="rId12"/>
-    <p:sldId id="263" r:id="rId13"/>
-    <p:sldId id="265" r:id="rId14"/>
-    <p:sldId id="264" r:id="rId15"/>
+    <p:sldId id="272" r:id="rId6"/>
+    <p:sldId id="277" r:id="rId7"/>
+    <p:sldId id="278" r:id="rId8"/>
+    <p:sldId id="279" r:id="rId9"/>
+    <p:sldId id="280" r:id="rId10"/>
+    <p:sldId id="282" r:id="rId11"/>
+    <p:sldId id="263" r:id="rId12"/>
+    <p:sldId id="265" r:id="rId13"/>
+    <p:sldId id="264" r:id="rId14"/>
   </p:sldIdLst>
   <p:sldSz cx="12192000" cy="6858000"/>
   <p:notesSz cx="6858000" cy="9144000"/>
@@ -617,7 +616,7 @@
           </a:lstStyle>
           <a:p>
             <a:r>
-              <a:rPr lang="ru-RU" smtClean="0"/>
+              <a:rPr lang="ru-RU"/>
               <a:t>Образец заголовка</a:t>
             </a:r>
             <a:endParaRPr lang="en-US" dirty="0"/>
@@ -734,7 +733,7 @@
           </a:lstStyle>
           <a:p>
             <a:r>
-              <a:rPr lang="ru-RU" smtClean="0"/>
+              <a:rPr lang="ru-RU"/>
               <a:t>Образец подзаголовка</a:t>
             </a:r>
             <a:endParaRPr lang="en-US" dirty="0"/>
@@ -771,7 +770,7 @@
           <a:p>
             <a:fld id="{3734CE64-4121-4E3C-B5C6-AFEBFB01DAB9}" type="datetimeFigureOut">
               <a:rPr lang="ru-RU" smtClean="0"/>
-              <a:t>12.06.2024</a:t>
+              <a:t>13.06.2024</a:t>
             </a:fld>
             <a:endParaRPr lang="ru-RU"/>
           </a:p>
@@ -1717,7 +1716,7 @@
           </a:lstStyle>
           <a:p>
             <a:r>
-              <a:rPr lang="ru-RU" smtClean="0"/>
+              <a:rPr lang="ru-RU"/>
               <a:t>Образец заголовка</a:t>
             </a:r>
             <a:endParaRPr lang="en-US" dirty="0"/>
@@ -1796,7 +1795,7 @@
           </a:lstStyle>
           <a:p>
             <a:r>
-              <a:rPr lang="ru-RU" smtClean="0"/>
+              <a:rPr lang="ru-RU"/>
               <a:t>Вставка рисунка</a:t>
             </a:r>
             <a:endParaRPr lang="en-US" dirty="0"/>
@@ -1868,7 +1867,7 @@
           <a:p>
             <a:pPr lvl="0"/>
             <a:r>
-              <a:rPr lang="ru-RU" smtClean="0"/>
+              <a:rPr lang="ru-RU"/>
               <a:t>Образец текста</a:t>
             </a:r>
           </a:p>
@@ -1891,7 +1890,7 @@
           <a:p>
             <a:fld id="{3734CE64-4121-4E3C-B5C6-AFEBFB01DAB9}" type="datetimeFigureOut">
               <a:rPr lang="ru-RU" smtClean="0"/>
-              <a:t>12.06.2024</a:t>
+              <a:t>13.06.2024</a:t>
             </a:fld>
             <a:endParaRPr lang="ru-RU"/>
           </a:p>
@@ -2811,7 +2810,7 @@
           </a:lstStyle>
           <a:p>
             <a:r>
-              <a:rPr lang="ru-RU" smtClean="0"/>
+              <a:rPr lang="ru-RU"/>
               <a:t>Образец заголовка</a:t>
             </a:r>
             <a:endParaRPr lang="en-US" dirty="0"/>
@@ -2879,7 +2878,7 @@
           <a:p>
             <a:pPr lvl="0"/>
             <a:r>
-              <a:rPr lang="ru-RU" smtClean="0"/>
+              <a:rPr lang="ru-RU"/>
               <a:t>Образец текста</a:t>
             </a:r>
           </a:p>
@@ -2902,7 +2901,7 @@
           <a:p>
             <a:fld id="{3734CE64-4121-4E3C-B5C6-AFEBFB01DAB9}" type="datetimeFigureOut">
               <a:rPr lang="ru-RU" smtClean="0"/>
-              <a:t>12.06.2024</a:t>
+              <a:t>13.06.2024</a:t>
             </a:fld>
             <a:endParaRPr lang="ru-RU"/>
           </a:p>
@@ -3908,7 +3907,7 @@
           </a:lstStyle>
           <a:p>
             <a:r>
-              <a:rPr lang="ru-RU" smtClean="0"/>
+              <a:rPr lang="ru-RU"/>
               <a:t>Образец заголовка</a:t>
             </a:r>
             <a:endParaRPr lang="en-US" dirty="0"/>
@@ -3982,7 +3981,7 @@
           <a:p>
             <a:pPr lvl="0"/>
             <a:r>
-              <a:rPr lang="ru-RU" smtClean="0"/>
+              <a:rPr lang="ru-RU"/>
               <a:t>Образец текста</a:t>
             </a:r>
           </a:p>
@@ -4049,7 +4048,7 @@
           <a:p>
             <a:pPr lvl="0"/>
             <a:r>
-              <a:rPr lang="ru-RU" smtClean="0"/>
+              <a:rPr lang="ru-RU"/>
               <a:t>Образец текста</a:t>
             </a:r>
           </a:p>
@@ -4072,7 +4071,7 @@
           <a:p>
             <a:fld id="{3734CE64-4121-4E3C-B5C6-AFEBFB01DAB9}" type="datetimeFigureOut">
               <a:rPr lang="ru-RU" smtClean="0"/>
-              <a:t>12.06.2024</a:t>
+              <a:t>13.06.2024</a:t>
             </a:fld>
             <a:endParaRPr lang="ru-RU"/>
           </a:p>
@@ -4992,7 +4991,7 @@
           </a:lstStyle>
           <a:p>
             <a:r>
-              <a:rPr lang="ru-RU" smtClean="0"/>
+              <a:rPr lang="ru-RU"/>
               <a:t>Образец заголовка</a:t>
             </a:r>
             <a:endParaRPr lang="en-US" dirty="0"/>
@@ -5110,7 +5109,7 @@
           <a:p>
             <a:pPr lvl="0"/>
             <a:r>
-              <a:rPr lang="ru-RU" smtClean="0"/>
+              <a:rPr lang="ru-RU"/>
               <a:t>Образец текста</a:t>
             </a:r>
           </a:p>
@@ -5133,7 +5132,7 @@
           <a:p>
             <a:fld id="{3734CE64-4121-4E3C-B5C6-AFEBFB01DAB9}" type="datetimeFigureOut">
               <a:rPr lang="ru-RU" smtClean="0"/>
-              <a:t>12.06.2024</a:t>
+              <a:t>13.06.2024</a:t>
             </a:fld>
             <a:endParaRPr lang="ru-RU"/>
           </a:p>
@@ -5267,7 +5266,7 @@
           </a:lstStyle>
           <a:p>
             <a:r>
-              <a:rPr lang="ru-RU" smtClean="0"/>
+              <a:rPr lang="ru-RU"/>
               <a:t>Образец заголовка</a:t>
             </a:r>
             <a:endParaRPr lang="en-US" dirty="0"/>
@@ -5339,7 +5338,7 @@
           <a:p>
             <a:pPr lvl="0"/>
             <a:r>
-              <a:rPr lang="ru-RU" smtClean="0"/>
+              <a:rPr lang="ru-RU"/>
               <a:t>Образец текста</a:t>
             </a:r>
           </a:p>
@@ -5406,7 +5405,7 @@
           <a:p>
             <a:pPr lvl="0"/>
             <a:r>
-              <a:rPr lang="ru-RU" smtClean="0"/>
+              <a:rPr lang="ru-RU"/>
               <a:t>Образец текста</a:t>
             </a:r>
           </a:p>
@@ -5477,7 +5476,7 @@
           <a:p>
             <a:pPr lvl="0"/>
             <a:r>
-              <a:rPr lang="ru-RU" smtClean="0"/>
+              <a:rPr lang="ru-RU"/>
               <a:t>Образец текста</a:t>
             </a:r>
           </a:p>
@@ -5544,7 +5543,7 @@
           <a:p>
             <a:pPr lvl="0"/>
             <a:r>
-              <a:rPr lang="ru-RU" smtClean="0"/>
+              <a:rPr lang="ru-RU"/>
               <a:t>Образец текста</a:t>
             </a:r>
           </a:p>
@@ -5615,7 +5614,7 @@
           <a:p>
             <a:pPr lvl="0"/>
             <a:r>
-              <a:rPr lang="ru-RU" smtClean="0"/>
+              <a:rPr lang="ru-RU"/>
               <a:t>Образец текста</a:t>
             </a:r>
           </a:p>
@@ -5682,7 +5681,7 @@
           <a:p>
             <a:pPr lvl="0"/>
             <a:r>
-              <a:rPr lang="ru-RU" smtClean="0"/>
+              <a:rPr lang="ru-RU"/>
               <a:t>Образец текста</a:t>
             </a:r>
           </a:p>
@@ -5779,7 +5778,7 @@
           <a:p>
             <a:fld id="{3734CE64-4121-4E3C-B5C6-AFEBFB01DAB9}" type="datetimeFigureOut">
               <a:rPr lang="ru-RU" smtClean="0"/>
-              <a:t>12.06.2024</a:t>
+              <a:t>13.06.2024</a:t>
             </a:fld>
             <a:endParaRPr lang="ru-RU"/>
           </a:p>
@@ -5877,7 +5876,7 @@
           </a:lstStyle>
           <a:p>
             <a:r>
-              <a:rPr lang="ru-RU" smtClean="0"/>
+              <a:rPr lang="ru-RU"/>
               <a:t>Образец заголовка</a:t>
             </a:r>
             <a:endParaRPr lang="en-US" dirty="0"/>
@@ -5949,7 +5948,7 @@
           <a:p>
             <a:pPr lvl="0"/>
             <a:r>
-              <a:rPr lang="ru-RU" smtClean="0"/>
+              <a:rPr lang="ru-RU"/>
               <a:t>Образец текста</a:t>
             </a:r>
           </a:p>
@@ -6027,7 +6026,7 @@
           </a:lstStyle>
           <a:p>
             <a:r>
-              <a:rPr lang="ru-RU" smtClean="0"/>
+              <a:rPr lang="ru-RU"/>
               <a:t>Вставка рисунка</a:t>
             </a:r>
             <a:endParaRPr lang="en-US" dirty="0"/>
@@ -6095,7 +6094,7 @@
           <a:p>
             <a:pPr lvl="0"/>
             <a:r>
-              <a:rPr lang="ru-RU" smtClean="0"/>
+              <a:rPr lang="ru-RU"/>
               <a:t>Образец текста</a:t>
             </a:r>
           </a:p>
@@ -6166,7 +6165,7 @@
           <a:p>
             <a:pPr lvl="0"/>
             <a:r>
-              <a:rPr lang="ru-RU" smtClean="0"/>
+              <a:rPr lang="ru-RU"/>
               <a:t>Образец текста</a:t>
             </a:r>
           </a:p>
@@ -6244,7 +6243,7 @@
           </a:lstStyle>
           <a:p>
             <a:r>
-              <a:rPr lang="ru-RU" smtClean="0"/>
+              <a:rPr lang="ru-RU"/>
               <a:t>Вставка рисунка</a:t>
             </a:r>
             <a:endParaRPr lang="en-US" dirty="0"/>
@@ -6312,7 +6311,7 @@
           <a:p>
             <a:pPr lvl="0"/>
             <a:r>
-              <a:rPr lang="ru-RU" smtClean="0"/>
+              <a:rPr lang="ru-RU"/>
               <a:t>Образец текста</a:t>
             </a:r>
           </a:p>
@@ -6383,7 +6382,7 @@
           <a:p>
             <a:pPr lvl="0"/>
             <a:r>
-              <a:rPr lang="ru-RU" smtClean="0"/>
+              <a:rPr lang="ru-RU"/>
               <a:t>Образец текста</a:t>
             </a:r>
           </a:p>
@@ -6461,7 +6460,7 @@
           </a:lstStyle>
           <a:p>
             <a:r>
-              <a:rPr lang="ru-RU" smtClean="0"/>
+              <a:rPr lang="ru-RU"/>
               <a:t>Вставка рисунка</a:t>
             </a:r>
             <a:endParaRPr lang="en-US" dirty="0"/>
@@ -6529,7 +6528,7 @@
           <a:p>
             <a:pPr lvl="0"/>
             <a:r>
-              <a:rPr lang="ru-RU" smtClean="0"/>
+              <a:rPr lang="ru-RU"/>
               <a:t>Образец текста</a:t>
             </a:r>
           </a:p>
@@ -6626,7 +6625,7 @@
           <a:p>
             <a:fld id="{3734CE64-4121-4E3C-B5C6-AFEBFB01DAB9}" type="datetimeFigureOut">
               <a:rPr lang="ru-RU" smtClean="0"/>
-              <a:t>12.06.2024</a:t>
+              <a:t>13.06.2024</a:t>
             </a:fld>
             <a:endParaRPr lang="ru-RU"/>
           </a:p>
@@ -6725,7 +6724,7 @@
           <a:lstStyle/>
           <a:p>
             <a:r>
-              <a:rPr lang="ru-RU" smtClean="0"/>
+              <a:rPr lang="ru-RU"/>
               <a:t>Образец заголовка</a:t>
             </a:r>
             <a:endParaRPr lang="en-US" dirty="0"/>
@@ -6749,35 +6748,35 @@
           <a:p>
             <a:pPr lvl="0"/>
             <a:r>
-              <a:rPr lang="ru-RU" smtClean="0"/>
+              <a:rPr lang="ru-RU"/>
               <a:t>Образец текста</a:t>
             </a:r>
           </a:p>
           <a:p>
             <a:pPr lvl="1"/>
             <a:r>
-              <a:rPr lang="ru-RU" smtClean="0"/>
+              <a:rPr lang="ru-RU"/>
               <a:t>Второй уровень</a:t>
             </a:r>
           </a:p>
           <a:p>
             <a:pPr lvl="2"/>
             <a:r>
-              <a:rPr lang="ru-RU" smtClean="0"/>
+              <a:rPr lang="ru-RU"/>
               <a:t>Третий уровень</a:t>
             </a:r>
           </a:p>
           <a:p>
             <a:pPr lvl="3"/>
             <a:r>
-              <a:rPr lang="ru-RU" smtClean="0"/>
+              <a:rPr lang="ru-RU"/>
               <a:t>Четвертый уровень</a:t>
             </a:r>
           </a:p>
           <a:p>
             <a:pPr lvl="4"/>
             <a:r>
-              <a:rPr lang="ru-RU" smtClean="0"/>
+              <a:rPr lang="ru-RU"/>
               <a:t>Пятый уровень</a:t>
             </a:r>
             <a:endParaRPr lang="en-US" dirty="0"/>
@@ -6801,7 +6800,7 @@
           <a:p>
             <a:fld id="{3734CE64-4121-4E3C-B5C6-AFEBFB01DAB9}" type="datetimeFigureOut">
               <a:rPr lang="ru-RU" smtClean="0"/>
-              <a:t>12.06.2024</a:t>
+              <a:t>13.06.2024</a:t>
             </a:fld>
             <a:endParaRPr lang="ru-RU"/>
           </a:p>
@@ -7718,7 +7717,7 @@
           <a:lstStyle/>
           <a:p>
             <a:r>
-              <a:rPr lang="ru-RU" smtClean="0"/>
+              <a:rPr lang="ru-RU"/>
               <a:t>Образец заголовка</a:t>
             </a:r>
             <a:endParaRPr lang="en-US" dirty="0"/>
@@ -7747,35 +7746,35 @@
           <a:p>
             <a:pPr lvl="0"/>
             <a:r>
-              <a:rPr lang="ru-RU" smtClean="0"/>
+              <a:rPr lang="ru-RU"/>
               <a:t>Образец текста</a:t>
             </a:r>
           </a:p>
           <a:p>
             <a:pPr lvl="1"/>
             <a:r>
-              <a:rPr lang="ru-RU" smtClean="0"/>
+              <a:rPr lang="ru-RU"/>
               <a:t>Второй уровень</a:t>
             </a:r>
           </a:p>
           <a:p>
             <a:pPr lvl="2"/>
             <a:r>
-              <a:rPr lang="ru-RU" smtClean="0"/>
+              <a:rPr lang="ru-RU"/>
               <a:t>Третий уровень</a:t>
             </a:r>
           </a:p>
           <a:p>
             <a:pPr lvl="3"/>
             <a:r>
-              <a:rPr lang="ru-RU" smtClean="0"/>
+              <a:rPr lang="ru-RU"/>
               <a:t>Четвертый уровень</a:t>
             </a:r>
           </a:p>
           <a:p>
             <a:pPr lvl="4"/>
             <a:r>
-              <a:rPr lang="ru-RU" smtClean="0"/>
+              <a:rPr lang="ru-RU"/>
               <a:t>Пятый уровень</a:t>
             </a:r>
             <a:endParaRPr lang="en-US" dirty="0"/>
@@ -7799,7 +7798,7 @@
           <a:p>
             <a:fld id="{3734CE64-4121-4E3C-B5C6-AFEBFB01DAB9}" type="datetimeFigureOut">
               <a:rPr lang="ru-RU" smtClean="0"/>
-              <a:t>12.06.2024</a:t>
+              <a:t>13.06.2024</a:t>
             </a:fld>
             <a:endParaRPr lang="ru-RU"/>
           </a:p>
@@ -7929,7 +7928,7 @@
           <a:lstStyle/>
           <a:p>
             <a:r>
-              <a:rPr lang="ru-RU" smtClean="0"/>
+              <a:rPr lang="ru-RU"/>
               <a:t>Образец заголовка</a:t>
             </a:r>
             <a:endParaRPr lang="en-US" dirty="0"/>
@@ -7953,35 +7952,35 @@
           <a:p>
             <a:pPr lvl="0"/>
             <a:r>
-              <a:rPr lang="ru-RU" smtClean="0"/>
+              <a:rPr lang="ru-RU"/>
               <a:t>Образец текста</a:t>
             </a:r>
           </a:p>
           <a:p>
             <a:pPr lvl="1"/>
             <a:r>
-              <a:rPr lang="ru-RU" smtClean="0"/>
+              <a:rPr lang="ru-RU"/>
               <a:t>Второй уровень</a:t>
             </a:r>
           </a:p>
           <a:p>
             <a:pPr lvl="2"/>
             <a:r>
-              <a:rPr lang="ru-RU" smtClean="0"/>
+              <a:rPr lang="ru-RU"/>
               <a:t>Третий уровень</a:t>
             </a:r>
           </a:p>
           <a:p>
             <a:pPr lvl="3"/>
             <a:r>
-              <a:rPr lang="ru-RU" smtClean="0"/>
+              <a:rPr lang="ru-RU"/>
               <a:t>Четвертый уровень</a:t>
             </a:r>
           </a:p>
           <a:p>
             <a:pPr lvl="4"/>
             <a:r>
-              <a:rPr lang="ru-RU" smtClean="0"/>
+              <a:rPr lang="ru-RU"/>
               <a:t>Пятый уровень</a:t>
             </a:r>
             <a:endParaRPr lang="en-US" dirty="0"/>
@@ -8005,7 +8004,7 @@
           <a:p>
             <a:fld id="{3734CE64-4121-4E3C-B5C6-AFEBFB01DAB9}" type="datetimeFigureOut">
               <a:rPr lang="ru-RU" smtClean="0"/>
-              <a:t>12.06.2024</a:t>
+              <a:t>13.06.2024</a:t>
             </a:fld>
             <a:endParaRPr lang="ru-RU"/>
           </a:p>
@@ -8926,7 +8925,7 @@
           </a:lstStyle>
           <a:p>
             <a:r>
-              <a:rPr lang="ru-RU" smtClean="0"/>
+              <a:rPr lang="ru-RU"/>
               <a:t>Образец заголовка</a:t>
             </a:r>
             <a:endParaRPr lang="en-US" dirty="0"/>
@@ -9044,7 +9043,7 @@
           <a:p>
             <a:pPr lvl="0"/>
             <a:r>
-              <a:rPr lang="ru-RU" smtClean="0"/>
+              <a:rPr lang="ru-RU"/>
               <a:t>Образец текста</a:t>
             </a:r>
           </a:p>
@@ -9067,7 +9066,7 @@
           <a:p>
             <a:fld id="{3734CE64-4121-4E3C-B5C6-AFEBFB01DAB9}" type="datetimeFigureOut">
               <a:rPr lang="ru-RU" smtClean="0"/>
-              <a:t>12.06.2024</a:t>
+              <a:t>13.06.2024</a:t>
             </a:fld>
             <a:endParaRPr lang="ru-RU"/>
           </a:p>
@@ -9197,7 +9196,7 @@
           <a:lstStyle/>
           <a:p>
             <a:r>
-              <a:rPr lang="ru-RU" smtClean="0"/>
+              <a:rPr lang="ru-RU"/>
               <a:t>Образец заголовка</a:t>
             </a:r>
             <a:endParaRPr lang="en-US" dirty="0"/>
@@ -9228,35 +9227,35 @@
           <a:p>
             <a:pPr lvl="0"/>
             <a:r>
-              <a:rPr lang="ru-RU" smtClean="0"/>
+              <a:rPr lang="ru-RU"/>
               <a:t>Образец текста</a:t>
             </a:r>
           </a:p>
           <a:p>
             <a:pPr lvl="1"/>
             <a:r>
-              <a:rPr lang="ru-RU" smtClean="0"/>
+              <a:rPr lang="ru-RU"/>
               <a:t>Второй уровень</a:t>
             </a:r>
           </a:p>
           <a:p>
             <a:pPr lvl="2"/>
             <a:r>
-              <a:rPr lang="ru-RU" smtClean="0"/>
+              <a:rPr lang="ru-RU"/>
               <a:t>Третий уровень</a:t>
             </a:r>
           </a:p>
           <a:p>
             <a:pPr lvl="3"/>
             <a:r>
-              <a:rPr lang="ru-RU" smtClean="0"/>
+              <a:rPr lang="ru-RU"/>
               <a:t>Четвертый уровень</a:t>
             </a:r>
           </a:p>
           <a:p>
             <a:pPr lvl="4"/>
             <a:r>
-              <a:rPr lang="ru-RU" smtClean="0"/>
+              <a:rPr lang="ru-RU"/>
               <a:t>Пятый уровень</a:t>
             </a:r>
             <a:endParaRPr lang="en-US" dirty="0"/>
@@ -9287,35 +9286,35 @@
           <a:p>
             <a:pPr lvl="0"/>
             <a:r>
-              <a:rPr lang="ru-RU" smtClean="0"/>
+              <a:rPr lang="ru-RU"/>
               <a:t>Образец текста</a:t>
             </a:r>
           </a:p>
           <a:p>
             <a:pPr lvl="1"/>
             <a:r>
-              <a:rPr lang="ru-RU" smtClean="0"/>
+              <a:rPr lang="ru-RU"/>
               <a:t>Второй уровень</a:t>
             </a:r>
           </a:p>
           <a:p>
             <a:pPr lvl="2"/>
             <a:r>
-              <a:rPr lang="ru-RU" smtClean="0"/>
+              <a:rPr lang="ru-RU"/>
               <a:t>Третий уровень</a:t>
             </a:r>
           </a:p>
           <a:p>
             <a:pPr lvl="3"/>
             <a:r>
-              <a:rPr lang="ru-RU" smtClean="0"/>
+              <a:rPr lang="ru-RU"/>
               <a:t>Четвертый уровень</a:t>
             </a:r>
           </a:p>
           <a:p>
             <a:pPr lvl="4"/>
             <a:r>
-              <a:rPr lang="ru-RU" smtClean="0"/>
+              <a:rPr lang="ru-RU"/>
               <a:t>Пятый уровень</a:t>
             </a:r>
             <a:endParaRPr lang="en-US" dirty="0"/>
@@ -9339,7 +9338,7 @@
           <a:p>
             <a:fld id="{3734CE64-4121-4E3C-B5C6-AFEBFB01DAB9}" type="datetimeFigureOut">
               <a:rPr lang="ru-RU" smtClean="0"/>
-              <a:t>12.06.2024</a:t>
+              <a:t>13.06.2024</a:t>
             </a:fld>
             <a:endParaRPr lang="ru-RU"/>
           </a:p>
@@ -9437,7 +9436,7 @@
           </a:lstStyle>
           <a:p>
             <a:r>
-              <a:rPr lang="ru-RU" smtClean="0"/>
+              <a:rPr lang="ru-RU"/>
               <a:t>Образец заголовка</a:t>
             </a:r>
             <a:endParaRPr lang="en-US" dirty="0"/>
@@ -9509,7 +9508,7 @@
           <a:p>
             <a:pPr lvl="0"/>
             <a:r>
-              <a:rPr lang="ru-RU" smtClean="0"/>
+              <a:rPr lang="ru-RU"/>
               <a:t>Образец текста</a:t>
             </a:r>
           </a:p>
@@ -9539,35 +9538,35 @@
           <a:p>
             <a:pPr lvl="0"/>
             <a:r>
-              <a:rPr lang="ru-RU" smtClean="0"/>
+              <a:rPr lang="ru-RU"/>
               <a:t>Образец текста</a:t>
             </a:r>
           </a:p>
           <a:p>
             <a:pPr lvl="1"/>
             <a:r>
-              <a:rPr lang="ru-RU" smtClean="0"/>
+              <a:rPr lang="ru-RU"/>
               <a:t>Второй уровень</a:t>
             </a:r>
           </a:p>
           <a:p>
             <a:pPr lvl="2"/>
             <a:r>
-              <a:rPr lang="ru-RU" smtClean="0"/>
+              <a:rPr lang="ru-RU"/>
               <a:t>Третий уровень</a:t>
             </a:r>
           </a:p>
           <a:p>
             <a:pPr lvl="3"/>
             <a:r>
-              <a:rPr lang="ru-RU" smtClean="0"/>
+              <a:rPr lang="ru-RU"/>
               <a:t>Четвертый уровень</a:t>
             </a:r>
           </a:p>
           <a:p>
             <a:pPr lvl="4"/>
             <a:r>
-              <a:rPr lang="ru-RU" smtClean="0"/>
+              <a:rPr lang="ru-RU"/>
               <a:t>Пятый уровень</a:t>
             </a:r>
             <a:endParaRPr lang="en-US" dirty="0"/>
@@ -9639,7 +9638,7 @@
           <a:p>
             <a:pPr lvl="0"/>
             <a:r>
-              <a:rPr lang="ru-RU" smtClean="0"/>
+              <a:rPr lang="ru-RU"/>
               <a:t>Образец текста</a:t>
             </a:r>
           </a:p>
@@ -9669,35 +9668,35 @@
           <a:p>
             <a:pPr lvl="0"/>
             <a:r>
-              <a:rPr lang="ru-RU" smtClean="0"/>
+              <a:rPr lang="ru-RU"/>
               <a:t>Образец текста</a:t>
             </a:r>
           </a:p>
           <a:p>
             <a:pPr lvl="1"/>
             <a:r>
-              <a:rPr lang="ru-RU" smtClean="0"/>
+              <a:rPr lang="ru-RU"/>
               <a:t>Второй уровень</a:t>
             </a:r>
           </a:p>
           <a:p>
             <a:pPr lvl="2"/>
             <a:r>
-              <a:rPr lang="ru-RU" smtClean="0"/>
+              <a:rPr lang="ru-RU"/>
               <a:t>Третий уровень</a:t>
             </a:r>
           </a:p>
           <a:p>
             <a:pPr lvl="3"/>
             <a:r>
-              <a:rPr lang="ru-RU" smtClean="0"/>
+              <a:rPr lang="ru-RU"/>
               <a:t>Четвертый уровень</a:t>
             </a:r>
           </a:p>
           <a:p>
             <a:pPr lvl="4"/>
             <a:r>
-              <a:rPr lang="ru-RU" smtClean="0"/>
+              <a:rPr lang="ru-RU"/>
               <a:t>Пятый уровень</a:t>
             </a:r>
             <a:endParaRPr lang="en-US" dirty="0"/>
@@ -9721,7 +9720,7 @@
           <a:p>
             <a:fld id="{3734CE64-4121-4E3C-B5C6-AFEBFB01DAB9}" type="datetimeFigureOut">
               <a:rPr lang="ru-RU" smtClean="0"/>
-              <a:t>12.06.2024</a:t>
+              <a:t>13.06.2024</a:t>
             </a:fld>
             <a:endParaRPr lang="ru-RU"/>
           </a:p>
@@ -9815,7 +9814,7 @@
           <a:lstStyle/>
           <a:p>
             <a:r>
-              <a:rPr lang="ru-RU" smtClean="0"/>
+              <a:rPr lang="ru-RU"/>
               <a:t>Образец заголовка</a:t>
             </a:r>
             <a:endParaRPr lang="en-US" dirty="0"/>
@@ -9839,7 +9838,7 @@
           <a:p>
             <a:fld id="{3734CE64-4121-4E3C-B5C6-AFEBFB01DAB9}" type="datetimeFigureOut">
               <a:rPr lang="ru-RU" smtClean="0"/>
-              <a:t>12.06.2024</a:t>
+              <a:t>13.06.2024</a:t>
             </a:fld>
             <a:endParaRPr lang="ru-RU"/>
           </a:p>
@@ -9934,7 +9933,7 @@
           <a:p>
             <a:fld id="{3734CE64-4121-4E3C-B5C6-AFEBFB01DAB9}" type="datetimeFigureOut">
               <a:rPr lang="ru-RU" smtClean="0"/>
-              <a:t>12.06.2024</a:t>
+              <a:t>13.06.2024</a:t>
             </a:fld>
             <a:endParaRPr lang="ru-RU"/>
           </a:p>
@@ -10891,7 +10890,7 @@
           </a:lstStyle>
           <a:p>
             <a:r>
-              <a:rPr lang="ru-RU" smtClean="0"/>
+              <a:rPr lang="ru-RU"/>
               <a:t>Образец заголовка</a:t>
             </a:r>
             <a:endParaRPr lang="en-US" dirty="0"/>
@@ -10922,35 +10921,35 @@
           <a:p>
             <a:pPr lvl="0"/>
             <a:r>
-              <a:rPr lang="ru-RU" smtClean="0"/>
+              <a:rPr lang="ru-RU"/>
               <a:t>Образец текста</a:t>
             </a:r>
           </a:p>
           <a:p>
             <a:pPr lvl="1"/>
             <a:r>
-              <a:rPr lang="ru-RU" smtClean="0"/>
+              <a:rPr lang="ru-RU"/>
               <a:t>Второй уровень</a:t>
             </a:r>
           </a:p>
           <a:p>
             <a:pPr lvl="2"/>
             <a:r>
-              <a:rPr lang="ru-RU" smtClean="0"/>
+              <a:rPr lang="ru-RU"/>
               <a:t>Третий уровень</a:t>
             </a:r>
           </a:p>
           <a:p>
             <a:pPr lvl="3"/>
             <a:r>
-              <a:rPr lang="ru-RU" smtClean="0"/>
+              <a:rPr lang="ru-RU"/>
               <a:t>Четвертый уровень</a:t>
             </a:r>
           </a:p>
           <a:p>
             <a:pPr lvl="4"/>
             <a:r>
-              <a:rPr lang="ru-RU" smtClean="0"/>
+              <a:rPr lang="ru-RU"/>
               <a:t>Пятый уровень</a:t>
             </a:r>
             <a:endParaRPr lang="en-US" dirty="0"/>
@@ -11020,7 +11019,7 @@
           <a:p>
             <a:pPr lvl="0"/>
             <a:r>
-              <a:rPr lang="ru-RU" smtClean="0"/>
+              <a:rPr lang="ru-RU"/>
               <a:t>Образец текста</a:t>
             </a:r>
           </a:p>
@@ -11043,7 +11042,7 @@
           <a:p>
             <a:fld id="{3734CE64-4121-4E3C-B5C6-AFEBFB01DAB9}" type="datetimeFigureOut">
               <a:rPr lang="ru-RU" smtClean="0"/>
-              <a:t>12.06.2024</a:t>
+              <a:t>13.06.2024</a:t>
             </a:fld>
             <a:endParaRPr lang="ru-RU"/>
           </a:p>
@@ -12002,7 +12001,7 @@
           </a:lstStyle>
           <a:p>
             <a:r>
-              <a:rPr lang="ru-RU" smtClean="0"/>
+              <a:rPr lang="ru-RU"/>
               <a:t>Образец заголовка</a:t>
             </a:r>
             <a:endParaRPr lang="en-US" dirty="0"/>
@@ -12081,7 +12080,7 @@
           </a:lstStyle>
           <a:p>
             <a:r>
-              <a:rPr lang="ru-RU" smtClean="0"/>
+              <a:rPr lang="ru-RU"/>
               <a:t>Вставка рисунка</a:t>
             </a:r>
             <a:endParaRPr lang="en-US" dirty="0"/>
@@ -12153,7 +12152,7 @@
           <a:p>
             <a:pPr lvl="0"/>
             <a:r>
-              <a:rPr lang="ru-RU" smtClean="0"/>
+              <a:rPr lang="ru-RU"/>
               <a:t>Образец текста</a:t>
             </a:r>
           </a:p>
@@ -12176,7 +12175,7 @@
           <a:p>
             <a:fld id="{3734CE64-4121-4E3C-B5C6-AFEBFB01DAB9}" type="datetimeFigureOut">
               <a:rPr lang="ru-RU" smtClean="0"/>
-              <a:t>12.06.2024</a:t>
+              <a:t>13.06.2024</a:t>
             </a:fld>
             <a:endParaRPr lang="ru-RU"/>
           </a:p>
@@ -13102,7 +13101,7 @@
           <a:lstStyle/>
           <a:p>
             <a:r>
-              <a:rPr lang="ru-RU" smtClean="0"/>
+              <a:rPr lang="ru-RU"/>
               <a:t>Образец заголовка</a:t>
             </a:r>
             <a:endParaRPr lang="en-US" dirty="0"/>
@@ -13136,35 +13135,35 @@
           <a:p>
             <a:pPr lvl="0"/>
             <a:r>
-              <a:rPr lang="ru-RU" smtClean="0"/>
+              <a:rPr lang="ru-RU"/>
               <a:t>Образец текста</a:t>
             </a:r>
           </a:p>
           <a:p>
             <a:pPr lvl="1"/>
             <a:r>
-              <a:rPr lang="ru-RU" smtClean="0"/>
+              <a:rPr lang="ru-RU"/>
               <a:t>Второй уровень</a:t>
             </a:r>
           </a:p>
           <a:p>
             <a:pPr lvl="2"/>
             <a:r>
-              <a:rPr lang="ru-RU" smtClean="0"/>
+              <a:rPr lang="ru-RU"/>
               <a:t>Третий уровень</a:t>
             </a:r>
           </a:p>
           <a:p>
             <a:pPr lvl="3"/>
             <a:r>
-              <a:rPr lang="ru-RU" smtClean="0"/>
+              <a:rPr lang="ru-RU"/>
               <a:t>Четвертый уровень</a:t>
             </a:r>
           </a:p>
           <a:p>
             <a:pPr lvl="4"/>
             <a:r>
-              <a:rPr lang="ru-RU" smtClean="0"/>
+              <a:rPr lang="ru-RU"/>
               <a:t>Пятый уровень</a:t>
             </a:r>
             <a:endParaRPr lang="en-US" dirty="0"/>
@@ -13204,7 +13203,7 @@
           <a:p>
             <a:fld id="{3734CE64-4121-4E3C-B5C6-AFEBFB01DAB9}" type="datetimeFigureOut">
               <a:rPr lang="ru-RU" smtClean="0"/>
-              <a:t>12.06.2024</a:t>
+              <a:t>13.06.2024</a:t>
             </a:fld>
             <a:endParaRPr lang="ru-RU"/>
           </a:p>
@@ -13783,19 +13782,19 @@
           <a:lstStyle/>
           <a:p>
             <a:r>
-              <a:rPr lang="ru-RU" dirty="0" smtClean="0"/>
+              <a:rPr lang="ru-RU" dirty="0"/>
               <a:t>Разработка игры </a:t>
             </a:r>
             <a:r>
-              <a:rPr lang="ru-RU" dirty="0" err="1" smtClean="0"/>
+              <a:rPr lang="ru-RU" dirty="0" err="1"/>
               <a:t>Arkanoid</a:t>
             </a:r>
             <a:r>
-              <a:rPr lang="ru-RU" dirty="0" smtClean="0"/>
+              <a:rPr lang="ru-RU" dirty="0"/>
               <a:t> средствами библиотеки </a:t>
             </a:r>
             <a:r>
-              <a:rPr lang="ru-RU" dirty="0" err="1" smtClean="0"/>
+              <a:rPr lang="ru-RU" dirty="0" err="1"/>
               <a:t>Pygame</a:t>
             </a:r>
             <a:endParaRPr lang="ru-RU" dirty="0"/>
@@ -13820,34 +13819,26 @@
           <a:lstStyle/>
           <a:p>
             <a:r>
-              <a:rPr lang="ru-RU" dirty="0" smtClean="0"/>
-              <a:t>Выполняет </a:t>
-            </a:r>
-            <a:r>
-              <a:rPr lang="ru-RU" dirty="0" err="1" smtClean="0"/>
-              <a:t>Полосин</a:t>
-            </a:r>
-            <a:r>
-              <a:rPr lang="ru-RU" dirty="0" smtClean="0"/>
-              <a:t> Максим Алексеевич, 4.205-2</a:t>
-            </a:r>
-          </a:p>
-          <a:p>
-            <a:r>
-              <a:rPr lang="ru-RU" dirty="0" smtClean="0"/>
+              <a:rPr lang="ru-RU" dirty="0"/>
+              <a:t>Выполнил: Полосин Максим Алексеевич, 4.205-2</a:t>
+            </a:r>
+          </a:p>
+          <a:p>
+            <a:r>
+              <a:rPr lang="ru-RU" dirty="0"/>
               <a:t>Научный руководитель: </a:t>
             </a:r>
             <a:r>
-              <a:rPr lang="ru-RU" dirty="0" err="1" smtClean="0"/>
+              <a:rPr lang="ru-RU" dirty="0" err="1"/>
               <a:t>Смолякова</a:t>
             </a:r>
             <a:r>
-              <a:rPr lang="ru-RU" dirty="0" smtClean="0"/>
+              <a:rPr lang="ru-RU" dirty="0"/>
               <a:t> Лариса </a:t>
             </a:r>
             <a:r>
-              <a:rPr lang="ru-RU" dirty="0" err="1" smtClean="0"/>
-              <a:t>ЛЕнгардовна</a:t>
+              <a:rPr lang="ru-RU" dirty="0" err="1"/>
+              <a:t>ЛЕнгардовнаил</a:t>
             </a:r>
             <a:endParaRPr lang="ru-RU" dirty="0"/>
           </a:p>
@@ -13885,142 +13876,6 @@
       </p:grpSpPr>
       <p:sp>
         <p:nvSpPr>
-          <p:cNvPr id="2" name="Заголовок 1"/>
-          <p:cNvSpPr>
-            <a:spLocks noGrp="1"/>
-          </p:cNvSpPr>
-          <p:nvPr>
-            <p:ph type="title"/>
-          </p:nvPr>
-        </p:nvSpPr>
-        <p:spPr/>
-        <p:txBody>
-          <a:bodyPr>
-            <a:normAutofit fontScale="90000"/>
-          </a:bodyPr>
-          <a:lstStyle/>
-          <a:p>
-            <a:r>
-              <a:rPr lang="ru-RU" dirty="0" smtClean="0"/>
-              <a:t>Обзор полученного интерфейса</a:t>
-            </a:r>
-            <a:endParaRPr lang="ru-RU" dirty="0"/>
-          </a:p>
-        </p:txBody>
-      </p:sp>
-      <p:sp>
-        <p:nvSpPr>
-          <p:cNvPr id="5" name="Текст 4"/>
-          <p:cNvSpPr>
-            <a:spLocks noGrp="1"/>
-          </p:cNvSpPr>
-          <p:nvPr>
-            <p:ph type="body" sz="half" idx="2"/>
-          </p:nvPr>
-        </p:nvSpPr>
-        <p:spPr/>
-        <p:txBody>
-          <a:bodyPr/>
-          <a:lstStyle/>
-          <a:p>
-            <a:r>
-              <a:rPr lang="ru-RU" dirty="0"/>
-              <a:t>Игра сохраняет рекорды игрока в текстовом файле, если он смог к концу игры побить один из трёх лучших, хранящихся на данный момент</a:t>
-            </a:r>
-            <a:r>
-              <a:rPr lang="ru-RU" dirty="0" smtClean="0"/>
-              <a:t>.</a:t>
-            </a:r>
-            <a:endParaRPr lang="ru-RU" dirty="0"/>
-          </a:p>
-        </p:txBody>
-      </p:sp>
-      <p:pic>
-        <p:nvPicPr>
-          <p:cNvPr id="6" name="Рисунок 5"/>
-          <p:cNvPicPr>
-            <a:picLocks noChangeAspect="1"/>
-          </p:cNvPicPr>
-          <p:nvPr/>
-        </p:nvPicPr>
-        <p:blipFill>
-          <a:blip r:embed="rId2"/>
-          <a:stretch>
-            <a:fillRect/>
-          </a:stretch>
-        </p:blipFill>
-        <p:spPr>
-          <a:xfrm>
-            <a:off x="5298141" y="635983"/>
-            <a:ext cx="5533286" cy="3245734"/>
-          </a:xfrm>
-          <a:prstGeom prst="rect">
-            <a:avLst/>
-          </a:prstGeom>
-        </p:spPr>
-      </p:pic>
-      <p:pic>
-        <p:nvPicPr>
-          <p:cNvPr id="7" name="Рисунок 6"/>
-          <p:cNvPicPr>
-            <a:picLocks noChangeAspect="1"/>
-          </p:cNvPicPr>
-          <p:nvPr/>
-        </p:nvPicPr>
-        <p:blipFill rotWithShape="1">
-          <a:blip r:embed="rId3"/>
-          <a:srcRect r="70215" b="49801"/>
-          <a:stretch/>
-        </p:blipFill>
-        <p:spPr>
-          <a:xfrm>
-            <a:off x="6798143" y="3881717"/>
-            <a:ext cx="2791139" cy="2415988"/>
-          </a:xfrm>
-          <a:prstGeom prst="rect">
-            <a:avLst/>
-          </a:prstGeom>
-        </p:spPr>
-      </p:pic>
-    </p:spTree>
-    <p:extLst>
-      <p:ext uri="{BB962C8B-B14F-4D97-AF65-F5344CB8AC3E}">
-        <p14:creationId xmlns:p14="http://schemas.microsoft.com/office/powerpoint/2010/main" val="2569361682"/>
-      </p:ext>
-    </p:extLst>
-  </p:cSld>
-  <p:clrMapOvr>
-    <a:masterClrMapping/>
-  </p:clrMapOvr>
-  <p:timing>
-    <p:tnLst>
-      <p:par>
-        <p:cTn id="1" dur="indefinite" restart="never" nodeType="tmRoot"/>
-      </p:par>
-    </p:tnLst>
-  </p:timing>
-</p:sld>
-</file>
-
-<file path=ppt/slides/slide11.xml><?xml version="1.0" encoding="utf-8"?>
-<p:sld xmlns:a="http://schemas.openxmlformats.org/drawingml/2006/main" xmlns:r="http://schemas.openxmlformats.org/officeDocument/2006/relationships" xmlns:p="http://schemas.openxmlformats.org/presentationml/2006/main">
-  <p:cSld>
-    <p:spTree>
-      <p:nvGrpSpPr>
-        <p:cNvPr id="1" name=""/>
-        <p:cNvGrpSpPr/>
-        <p:nvPr/>
-      </p:nvGrpSpPr>
-      <p:grpSpPr>
-        <a:xfrm>
-          <a:off x="0" y="0"/>
-          <a:ext cx="0" cy="0"/>
-          <a:chOff x="0" y="0"/>
-          <a:chExt cx="0" cy="0"/>
-        </a:xfrm>
-      </p:grpSpPr>
-      <p:sp>
-        <p:nvSpPr>
           <p:cNvPr id="5" name="Заголовок 4"/>
           <p:cNvSpPr>
             <a:spLocks noGrp="1"/>
@@ -14035,10 +13890,9 @@
           <a:lstStyle/>
           <a:p>
             <a:r>
-              <a:rPr lang="ru-RU" dirty="0" smtClean="0"/>
+              <a:rPr lang="ru-RU" dirty="0"/>
               <a:t>Финансовая составляющая</a:t>
             </a:r>
-            <a:endParaRPr lang="ru-RU" dirty="0"/>
           </a:p>
         </p:txBody>
       </p:sp>
@@ -14061,22 +13915,25 @@
               <a:buNone/>
             </a:pPr>
             <a:r>
-              <a:rPr lang="ru-RU" dirty="0" smtClean="0"/>
-              <a:t>	Чтобы получить деньги с нашего проекта, его можно платно выложить на некий сервис размещения игр, например, </a:t>
-            </a:r>
-            <a:r>
-              <a:rPr lang="en-US" dirty="0" smtClean="0"/>
+              <a:rPr lang="ru-RU" dirty="0"/>
+              <a:t>	Чтобы получить деньги с нашего проекта, его можно за небольшую плату выложить на некий сервис размещения игр, например, </a:t>
+            </a:r>
+            <a:r>
+              <a:rPr lang="en-US" dirty="0"/>
               <a:t>itch.io </a:t>
             </a:r>
             <a:r>
-              <a:rPr lang="ru-RU" dirty="0" smtClean="0"/>
+              <a:rPr lang="ru-RU" dirty="0"/>
               <a:t>или </a:t>
             </a:r>
             <a:r>
-              <a:rPr lang="en-US" dirty="0" smtClean="0"/>
+              <a:rPr lang="en-US" dirty="0"/>
               <a:t>Steam.</a:t>
             </a:r>
-            <a:endParaRPr lang="ru-RU" dirty="0"/>
+            <a:r>
+              <a:rPr lang="ru-RU" dirty="0"/>
+              <a:t> За счёт своей маленькой цены проект может заинтересовать достаточное количество людей.</a:t>
+            </a:r>
           </a:p>
         </p:txBody>
       </p:sp>
@@ -14175,6 +14032,374 @@
 </p:sld>
 </file>
 
+<file path=ppt/slides/slide11.xml><?xml version="1.0" encoding="utf-8"?>
+<p:sld xmlns:a="http://schemas.openxmlformats.org/drawingml/2006/main" xmlns:r="http://schemas.openxmlformats.org/officeDocument/2006/relationships" xmlns:p="http://schemas.openxmlformats.org/presentationml/2006/main">
+  <p:cSld>
+    <p:spTree>
+      <p:nvGrpSpPr>
+        <p:cNvPr id="1" name=""/>
+        <p:cNvGrpSpPr/>
+        <p:nvPr/>
+      </p:nvGrpSpPr>
+      <p:grpSpPr>
+        <a:xfrm>
+          <a:off x="0" y="0"/>
+          <a:ext cx="0" cy="0"/>
+          <a:chOff x="0" y="0"/>
+          <a:chExt cx="0" cy="0"/>
+        </a:xfrm>
+      </p:grpSpPr>
+      <p:sp>
+        <p:nvSpPr>
+          <p:cNvPr id="2" name="Заголовок 1"/>
+          <p:cNvSpPr>
+            <a:spLocks noGrp="1"/>
+          </p:cNvSpPr>
+          <p:nvPr>
+            <p:ph type="title"/>
+          </p:nvPr>
+        </p:nvSpPr>
+        <p:spPr/>
+        <p:txBody>
+          <a:bodyPr/>
+          <a:lstStyle/>
+          <a:p>
+            <a:r>
+              <a:rPr lang="ru-RU" b="1" dirty="0"/>
+              <a:t>БИБЛИОГРАФИЧЕСКИЙ СПИСОК</a:t>
+            </a:r>
+            <a:endParaRPr lang="ru-RU" dirty="0"/>
+          </a:p>
+        </p:txBody>
+      </p:sp>
+      <p:sp>
+        <p:nvSpPr>
+          <p:cNvPr id="3" name="Объект 2"/>
+          <p:cNvSpPr>
+            <a:spLocks noGrp="1"/>
+          </p:cNvSpPr>
+          <p:nvPr>
+            <p:ph idx="1"/>
+          </p:nvPr>
+        </p:nvSpPr>
+        <p:spPr/>
+        <p:txBody>
+          <a:bodyPr>
+            <a:normAutofit fontScale="62500" lnSpcReduction="20000"/>
+          </a:bodyPr>
+          <a:lstStyle/>
+          <a:p>
+            <a:pPr lvl="0">
+              <a:buFont typeface="+mj-lt"/>
+              <a:buAutoNum type="arabicPeriod"/>
+            </a:pPr>
+            <a:r>
+              <a:rPr lang="ru-RU" dirty="0" err="1"/>
+              <a:t>Хабр</a:t>
+            </a:r>
+            <a:r>
+              <a:rPr lang="ru-RU" dirty="0"/>
+              <a:t> // Библиотека </a:t>
+            </a:r>
+            <a:r>
+              <a:rPr lang="ru-RU" dirty="0" err="1"/>
+              <a:t>Pygame</a:t>
+            </a:r>
+            <a:r>
+              <a:rPr lang="ru-RU" dirty="0"/>
+              <a:t> / Часть 1. Введение – </a:t>
+            </a:r>
+            <a:r>
+              <a:rPr lang="en-US" dirty="0"/>
+              <a:t>URL</a:t>
+            </a:r>
+            <a:r>
+              <a:rPr lang="ru-RU" dirty="0"/>
+              <a:t>: </a:t>
+            </a:r>
+            <a:r>
+              <a:rPr lang="ru-RU" u="sng" dirty="0">
+                <a:hlinkClick r:id="rId2"/>
+              </a:rPr>
+              <a:t>https://habr.com/ru/articles/588605/</a:t>
+            </a:r>
+            <a:r>
+              <a:rPr lang="ru-RU" dirty="0"/>
+              <a:t> (дата обращения: 28.05.2024)</a:t>
+            </a:r>
+          </a:p>
+          <a:p>
+            <a:pPr lvl="0">
+              <a:buFont typeface="+mj-lt"/>
+              <a:buAutoNum type="arabicPeriod"/>
+            </a:pPr>
+            <a:r>
+              <a:rPr lang="ru-RU" dirty="0"/>
+              <a:t>Лаборатория </a:t>
+            </a:r>
+            <a:r>
+              <a:rPr lang="ru-RU" dirty="0" err="1"/>
+              <a:t>линуксоида</a:t>
+            </a:r>
+            <a:r>
+              <a:rPr lang="ru-RU" dirty="0"/>
+              <a:t> // Модуль </a:t>
+            </a:r>
+            <a:r>
+              <a:rPr lang="ru-RU" dirty="0" err="1"/>
+              <a:t>pygame.draw</a:t>
+            </a:r>
+            <a:r>
+              <a:rPr lang="ru-RU" dirty="0"/>
+              <a:t> – геометрические примитивы. Урок 3 – </a:t>
+            </a:r>
+            <a:r>
+              <a:rPr lang="en-US" dirty="0"/>
+              <a:t>URL</a:t>
+            </a:r>
+            <a:r>
+              <a:rPr lang="ru-RU" dirty="0"/>
+              <a:t>: </a:t>
+            </a:r>
+            <a:r>
+              <a:rPr lang="ru-RU" u="sng" dirty="0">
+                <a:hlinkClick r:id="rId3"/>
+              </a:rPr>
+              <a:t>https://younglinux.info/pygame/draw</a:t>
+            </a:r>
+            <a:r>
+              <a:rPr lang="ru-RU" dirty="0"/>
+              <a:t> (дата обращения: 28.05.2024)</a:t>
+            </a:r>
+          </a:p>
+          <a:p>
+            <a:pPr lvl="0">
+              <a:buFont typeface="+mj-lt"/>
+              <a:buAutoNum type="arabicPeriod"/>
+            </a:pPr>
+            <a:r>
+              <a:rPr lang="en-US" dirty="0"/>
+              <a:t>RIP Tutorial // </a:t>
+            </a:r>
+            <a:r>
+              <a:rPr lang="en-US" dirty="0" err="1"/>
+              <a:t>pygame</a:t>
+            </a:r>
+            <a:r>
+              <a:rPr lang="en-US" dirty="0"/>
+              <a:t> Tutorial =&gt; Event loop – URL: </a:t>
+            </a:r>
+            <a:r>
+              <a:rPr lang="en-US" u="sng" dirty="0">
+                <a:hlinkClick r:id="rId4"/>
+              </a:rPr>
+              <a:t>https://riptutorial.com/pygame/example/18046/event-loop</a:t>
+            </a:r>
+            <a:r>
+              <a:rPr lang="ru-RU" dirty="0"/>
+              <a:t> </a:t>
+            </a:r>
+            <a:r>
+              <a:rPr lang="en-US" dirty="0"/>
+              <a:t>(</a:t>
+            </a:r>
+            <a:r>
+              <a:rPr lang="ru-RU" dirty="0"/>
+              <a:t>дата обращения</a:t>
+            </a:r>
+            <a:r>
+              <a:rPr lang="en-US" dirty="0"/>
+              <a:t>: 28.05.2024)</a:t>
+            </a:r>
+            <a:endParaRPr lang="ru-RU" dirty="0"/>
+          </a:p>
+          <a:p>
+            <a:pPr lvl="0">
+              <a:buFont typeface="+mj-lt"/>
+              <a:buAutoNum type="arabicPeriod"/>
+            </a:pPr>
+            <a:r>
+              <a:rPr lang="ru-RU" dirty="0"/>
+              <a:t>Программирование на C++ и </a:t>
+            </a:r>
+            <a:r>
+              <a:rPr lang="ru-RU" dirty="0" err="1"/>
+              <a:t>Python</a:t>
+            </a:r>
+            <a:r>
+              <a:rPr lang="ru-RU" dirty="0"/>
+              <a:t> // Графика и GUI с библиотекой </a:t>
+            </a:r>
+            <a:r>
+              <a:rPr lang="ru-RU" dirty="0" err="1"/>
+              <a:t>pygame</a:t>
+            </a:r>
+            <a:r>
+              <a:rPr lang="ru-RU" dirty="0"/>
+              <a:t> – </a:t>
+            </a:r>
+            <a:r>
+              <a:rPr lang="en-US" dirty="0"/>
+              <a:t>URL</a:t>
+            </a:r>
+            <a:r>
+              <a:rPr lang="ru-RU" dirty="0"/>
+              <a:t>: </a:t>
+            </a:r>
+            <a:r>
+              <a:rPr lang="ru-RU" u="sng" dirty="0">
+                <a:hlinkClick r:id="rId5"/>
+              </a:rPr>
+              <a:t>https://cpp-python-nsu.inp.nsk.su/textbook/sec5/ch1</a:t>
+            </a:r>
+            <a:r>
+              <a:rPr lang="ru-RU" dirty="0"/>
+              <a:t> (дата обращения: 28.05.2024)</a:t>
+            </a:r>
+          </a:p>
+          <a:p>
+            <a:pPr lvl="0">
+              <a:buFont typeface="+mj-lt"/>
+              <a:buAutoNum type="arabicPeriod"/>
+            </a:pPr>
+            <a:r>
+              <a:rPr lang="ru-RU" dirty="0" err="1"/>
+              <a:t>Stack</a:t>
+            </a:r>
+            <a:r>
+              <a:rPr lang="ru-RU" dirty="0"/>
+              <a:t> </a:t>
+            </a:r>
+            <a:r>
+              <a:rPr lang="ru-RU" dirty="0" err="1"/>
+              <a:t>Overflow</a:t>
+            </a:r>
+            <a:r>
+              <a:rPr lang="ru-RU" dirty="0"/>
+              <a:t> на русском // </a:t>
+            </a:r>
+            <a:r>
+              <a:rPr lang="ru-RU" dirty="0" err="1"/>
+              <a:t>python</a:t>
+            </a:r>
+            <a:r>
+              <a:rPr lang="ru-RU" dirty="0"/>
+              <a:t> // Как сделать, чтобы изображение подстраивалось под размер экрана – </a:t>
+            </a:r>
+            <a:r>
+              <a:rPr lang="en-US" dirty="0"/>
+              <a:t>URL</a:t>
+            </a:r>
+            <a:r>
+              <a:rPr lang="ru-RU" dirty="0"/>
+              <a:t>: </a:t>
+            </a:r>
+            <a:r>
+              <a:rPr lang="ru-RU" u="sng" dirty="0">
+                <a:hlinkClick r:id="rId6"/>
+              </a:rPr>
+              <a:t>https://ru.stackoverflow.com/questions/1357843/%D0%9A%D0%B0%D0%BA-%D1%81%D0%B4%D0%B5%D0%BB%D0%B0%D1%82%D1%8C-%D1%87%D1%82%D0%BE%D0%B1%D1%8B-%D0%B8%D0%B7%D0%BE%D0%B1%D1%80%D0%B0%D0%B6%D0%B5%D0%BD%D0%B8%D0%B5-%D0%BF%D0%BE%D0%B4%D1%81%D1%82%D1%80%D0%B0%D0%B8%D0%B2%D0%B0%D0%BB%D0%BE%D1%81%D1%8C-%D0%BF%D0%BE%D0%B4-%D1%80%D0%B0%D0%B7%D0%BC%D0%B5%D1%80-%D1%8D%D0%BA%D1%80%D0%B0%D0%BD%D0%B0</a:t>
+            </a:r>
+            <a:r>
+              <a:rPr lang="ru-RU" dirty="0"/>
+              <a:t> (дата обращения: 28.05.2024)</a:t>
+            </a:r>
+          </a:p>
+          <a:p>
+            <a:pPr lvl="0">
+              <a:buFont typeface="+mj-lt"/>
+              <a:buAutoNum type="arabicPeriod"/>
+            </a:pPr>
+            <a:r>
+              <a:rPr lang="ru-RU" dirty="0" err="1"/>
+              <a:t>CodeBasics</a:t>
+            </a:r>
+            <a:r>
+              <a:rPr lang="ru-RU" dirty="0"/>
+              <a:t> // </a:t>
+            </a:r>
+            <a:r>
+              <a:rPr lang="ru-RU" dirty="0" err="1"/>
+              <a:t>Python</a:t>
+            </a:r>
+            <a:r>
+              <a:rPr lang="ru-RU" dirty="0"/>
+              <a:t> // Необязательные параметры функций – </a:t>
+            </a:r>
+            <a:r>
+              <a:rPr lang="en-US" dirty="0"/>
+              <a:t>URL</a:t>
+            </a:r>
+            <a:r>
+              <a:rPr lang="ru-RU" dirty="0"/>
+              <a:t>: </a:t>
+            </a:r>
+            <a:r>
+              <a:rPr lang="ru-RU" u="sng" dirty="0">
+                <a:hlinkClick r:id="rId7"/>
+              </a:rPr>
+              <a:t>https://code-basics.com/ru/languages/python/lessons/default-parameters</a:t>
+            </a:r>
+            <a:r>
+              <a:rPr lang="ru-RU" dirty="0"/>
+              <a:t> (дата обращения: 28.05.2024)</a:t>
+            </a:r>
+          </a:p>
+          <a:p>
+            <a:pPr lvl="0">
+              <a:buFont typeface="+mj-lt"/>
+              <a:buAutoNum type="arabicPeriod"/>
+            </a:pPr>
+            <a:r>
+              <a:rPr lang="en-US" dirty="0"/>
+              <a:t>YouTube </a:t>
+            </a:r>
+            <a:r>
+              <a:rPr lang="ru-RU" dirty="0"/>
+              <a:t>// Программирование игр </a:t>
+            </a:r>
+            <a:r>
+              <a:rPr lang="ru-RU" dirty="0" err="1"/>
+              <a:t>Pygame</a:t>
+            </a:r>
+            <a:r>
+              <a:rPr lang="ru-RU" dirty="0"/>
+              <a:t> #32: Ввод текста – </a:t>
+            </a:r>
+            <a:r>
+              <a:rPr lang="en-US" dirty="0"/>
+              <a:t>URL</a:t>
+            </a:r>
+            <a:r>
+              <a:rPr lang="ru-RU" dirty="0"/>
+              <a:t>: </a:t>
+            </a:r>
+            <a:r>
+              <a:rPr lang="ru-RU" u="sng" dirty="0">
+                <a:hlinkClick r:id="rId8"/>
+              </a:rPr>
+              <a:t>https://www.youtube.com/watch?v=Xyfd2QBuPdo</a:t>
+            </a:r>
+            <a:r>
+              <a:rPr lang="ru-RU" dirty="0"/>
+              <a:t> (дата обращения: 28.05.2024)</a:t>
+            </a:r>
+          </a:p>
+        </p:txBody>
+      </p:sp>
+    </p:spTree>
+    <p:extLst>
+      <p:ext uri="{BB962C8B-B14F-4D97-AF65-F5344CB8AC3E}">
+        <p14:creationId xmlns:p14="http://schemas.microsoft.com/office/powerpoint/2010/main" val="454210900"/>
+      </p:ext>
+    </p:extLst>
+  </p:cSld>
+  <p:clrMapOvr>
+    <a:masterClrMapping/>
+  </p:clrMapOvr>
+</p:sld>
+</file>
+
 <file path=ppt/slides/slide12.xml><?xml version="1.0" encoding="utf-8"?>
 <p:sld xmlns:a="http://schemas.openxmlformats.org/drawingml/2006/main" xmlns:r="http://schemas.openxmlformats.org/officeDocument/2006/relationships" xmlns:p="http://schemas.openxmlformats.org/presentationml/2006/main">
   <p:cSld>
@@ -14209,422 +14434,6 @@
           <a:p>
             <a:r>
               <a:rPr lang="ru-RU" b="1" dirty="0"/>
-              <a:t>БИБЛИОГРАФИЧЕСКИЙ </a:t>
-            </a:r>
-            <a:r>
-              <a:rPr lang="ru-RU" b="1" dirty="0" smtClean="0"/>
-              <a:t>СПИСОК</a:t>
-            </a:r>
-            <a:endParaRPr lang="ru-RU" dirty="0"/>
-          </a:p>
-        </p:txBody>
-      </p:sp>
-      <p:sp>
-        <p:nvSpPr>
-          <p:cNvPr id="3" name="Объект 2"/>
-          <p:cNvSpPr>
-            <a:spLocks noGrp="1"/>
-          </p:cNvSpPr>
-          <p:nvPr>
-            <p:ph idx="1"/>
-          </p:nvPr>
-        </p:nvSpPr>
-        <p:spPr/>
-        <p:txBody>
-          <a:bodyPr>
-            <a:normAutofit fontScale="55000" lnSpcReduction="20000"/>
-          </a:bodyPr>
-          <a:lstStyle/>
-          <a:p>
-            <a:pPr lvl="0"/>
-            <a:r>
-              <a:rPr lang="ru-RU" dirty="0" err="1"/>
-              <a:t>Хабр</a:t>
-            </a:r>
-            <a:r>
-              <a:rPr lang="ru-RU" dirty="0"/>
-              <a:t> // Библиотека </a:t>
-            </a:r>
-            <a:r>
-              <a:rPr lang="ru-RU" dirty="0" err="1"/>
-              <a:t>Pygame</a:t>
-            </a:r>
-            <a:r>
-              <a:rPr lang="ru-RU" dirty="0"/>
-              <a:t> / Часть 1. Введение – </a:t>
-            </a:r>
-            <a:r>
-              <a:rPr lang="en-US" dirty="0"/>
-              <a:t>URL</a:t>
-            </a:r>
-            <a:r>
-              <a:rPr lang="ru-RU" dirty="0"/>
-              <a:t>: </a:t>
-            </a:r>
-            <a:r>
-              <a:rPr lang="ru-RU" u="sng" dirty="0">
-                <a:hlinkClick r:id="rId2"/>
-              </a:rPr>
-              <a:t>https://habr.com/ru/articles/588605/</a:t>
-            </a:r>
-            <a:r>
-              <a:rPr lang="ru-RU" dirty="0"/>
-              <a:t> (дата обращения: 28.05.2024)</a:t>
-            </a:r>
-          </a:p>
-          <a:p>
-            <a:pPr lvl="0"/>
-            <a:r>
-              <a:rPr lang="ru-RU" dirty="0"/>
-              <a:t>Лаборатория </a:t>
-            </a:r>
-            <a:r>
-              <a:rPr lang="ru-RU" dirty="0" err="1"/>
-              <a:t>линуксоида</a:t>
-            </a:r>
-            <a:r>
-              <a:rPr lang="ru-RU" dirty="0"/>
-              <a:t> // Модуль </a:t>
-            </a:r>
-            <a:r>
-              <a:rPr lang="ru-RU" dirty="0" err="1"/>
-              <a:t>pygame.draw</a:t>
-            </a:r>
-            <a:r>
-              <a:rPr lang="ru-RU" dirty="0"/>
-              <a:t> – геометрические примитивы. Урок 3 – </a:t>
-            </a:r>
-            <a:r>
-              <a:rPr lang="en-US" dirty="0"/>
-              <a:t>URL</a:t>
-            </a:r>
-            <a:r>
-              <a:rPr lang="ru-RU" dirty="0"/>
-              <a:t>: </a:t>
-            </a:r>
-            <a:r>
-              <a:rPr lang="ru-RU" u="sng" dirty="0">
-                <a:hlinkClick r:id="rId3"/>
-              </a:rPr>
-              <a:t>https://younglinux.info/pygame/draw</a:t>
-            </a:r>
-            <a:r>
-              <a:rPr lang="ru-RU" dirty="0"/>
-              <a:t> (дата обращения: 28.05.2024)</a:t>
-            </a:r>
-          </a:p>
-          <a:p>
-            <a:pPr lvl="0"/>
-            <a:r>
-              <a:rPr lang="en-US" dirty="0"/>
-              <a:t>RIP Tutorial // </a:t>
-            </a:r>
-            <a:r>
-              <a:rPr lang="en-US" dirty="0" err="1"/>
-              <a:t>pygame</a:t>
-            </a:r>
-            <a:r>
-              <a:rPr lang="en-US" dirty="0"/>
-              <a:t> Tutorial =&gt; Event loop – URL: </a:t>
-            </a:r>
-            <a:r>
-              <a:rPr lang="en-US" u="sng" dirty="0">
-                <a:hlinkClick r:id="rId4"/>
-              </a:rPr>
-              <a:t>https://riptutorial.com/pygame/example/18046/event-loop</a:t>
-            </a:r>
-            <a:r>
-              <a:rPr lang="ru-RU" dirty="0"/>
-              <a:t> </a:t>
-            </a:r>
-            <a:r>
-              <a:rPr lang="en-US" dirty="0"/>
-              <a:t>(</a:t>
-            </a:r>
-            <a:r>
-              <a:rPr lang="ru-RU" dirty="0"/>
-              <a:t>дата обращения</a:t>
-            </a:r>
-            <a:r>
-              <a:rPr lang="en-US" dirty="0"/>
-              <a:t>: 28.05.2024)</a:t>
-            </a:r>
-            <a:endParaRPr lang="ru-RU" dirty="0"/>
-          </a:p>
-          <a:p>
-            <a:pPr lvl="0"/>
-            <a:r>
-              <a:rPr lang="ru-RU" dirty="0"/>
-              <a:t>Программирование на C++ и </a:t>
-            </a:r>
-            <a:r>
-              <a:rPr lang="ru-RU" dirty="0" err="1"/>
-              <a:t>Python</a:t>
-            </a:r>
-            <a:r>
-              <a:rPr lang="ru-RU" dirty="0"/>
-              <a:t> // Графика и GUI с библиотекой </a:t>
-            </a:r>
-            <a:r>
-              <a:rPr lang="ru-RU" dirty="0" err="1"/>
-              <a:t>pygame</a:t>
-            </a:r>
-            <a:r>
-              <a:rPr lang="ru-RU" dirty="0"/>
-              <a:t> – </a:t>
-            </a:r>
-            <a:r>
-              <a:rPr lang="en-US" dirty="0"/>
-              <a:t>URL</a:t>
-            </a:r>
-            <a:r>
-              <a:rPr lang="ru-RU" dirty="0"/>
-              <a:t>: </a:t>
-            </a:r>
-            <a:r>
-              <a:rPr lang="ru-RU" u="sng" dirty="0">
-                <a:hlinkClick r:id="rId5"/>
-              </a:rPr>
-              <a:t>https://cpp-python-nsu.inp.nsk.su/textbook/sec5/ch1</a:t>
-            </a:r>
-            <a:r>
-              <a:rPr lang="ru-RU" dirty="0"/>
-              <a:t> (дата обращения: 28.05.2024)</a:t>
-            </a:r>
-          </a:p>
-          <a:p>
-            <a:pPr lvl="0"/>
-            <a:r>
-              <a:rPr lang="ru-RU" dirty="0" err="1"/>
-              <a:t>Stack</a:t>
-            </a:r>
-            <a:r>
-              <a:rPr lang="ru-RU" dirty="0"/>
-              <a:t> </a:t>
-            </a:r>
-            <a:r>
-              <a:rPr lang="ru-RU" dirty="0" err="1"/>
-              <a:t>Overflow</a:t>
-            </a:r>
-            <a:r>
-              <a:rPr lang="ru-RU" dirty="0"/>
-              <a:t> на русском // </a:t>
-            </a:r>
-            <a:r>
-              <a:rPr lang="ru-RU" dirty="0" err="1"/>
-              <a:t>python</a:t>
-            </a:r>
-            <a:r>
-              <a:rPr lang="ru-RU" dirty="0"/>
-              <a:t> // Как сделать, чтобы изображение подстраивалось под размер экрана – </a:t>
-            </a:r>
-            <a:r>
-              <a:rPr lang="en-US" dirty="0"/>
-              <a:t>URL</a:t>
-            </a:r>
-            <a:r>
-              <a:rPr lang="ru-RU" dirty="0"/>
-              <a:t>: </a:t>
-            </a:r>
-            <a:r>
-              <a:rPr lang="ru-RU" u="sng" dirty="0">
-                <a:hlinkClick r:id="rId6"/>
-              </a:rPr>
-              <a:t>https://ru.stackoverflow.com/questions/1357843/%D0%9A%D0%B0%D0%BA-%D1%81%D0%B4%D0%B5%D0%BB%D0%B0%D1%82%D1%8C-%D1%87%D1%82%D0%BE%D0%B1%D1%8B-%D0%B8%D0%B7%D0%BE%D0%B1%D1%80%D0%B0%D0%B6%D0%B5%D0%BD%D0%B8%D0%B5-%D0%BF%D0%BE%D0%B4%D1%81%D1%82%D1%80%D0%B0%D0%B8%D0%B2%D0%B0%D0%BB%D0%BE%D1%81%D1%8C-%D0%BF%D0%BE%D0%B4-%D1%80%D0%B0%D0%B7%D0%BC%D0%B5%D1%80-%D1%8D%D0%BA%D1%80%D0%B0%D0%BD%D0%B0</a:t>
-            </a:r>
-            <a:r>
-              <a:rPr lang="ru-RU" dirty="0"/>
-              <a:t> (дата обращения: 28.05.2024)</a:t>
-            </a:r>
-          </a:p>
-          <a:p>
-            <a:pPr lvl="0"/>
-            <a:r>
-              <a:rPr lang="ru-RU" dirty="0" err="1"/>
-              <a:t>CodeBasics</a:t>
-            </a:r>
-            <a:r>
-              <a:rPr lang="ru-RU" dirty="0"/>
-              <a:t> // </a:t>
-            </a:r>
-            <a:r>
-              <a:rPr lang="ru-RU" dirty="0" err="1"/>
-              <a:t>Python</a:t>
-            </a:r>
-            <a:r>
-              <a:rPr lang="ru-RU" dirty="0"/>
-              <a:t> // Необязательные параметры функций – </a:t>
-            </a:r>
-            <a:r>
-              <a:rPr lang="en-US" dirty="0"/>
-              <a:t>URL</a:t>
-            </a:r>
-            <a:r>
-              <a:rPr lang="ru-RU" dirty="0"/>
-              <a:t>: </a:t>
-            </a:r>
-            <a:r>
-              <a:rPr lang="ru-RU" u="sng" dirty="0">
-                <a:hlinkClick r:id="rId7"/>
-              </a:rPr>
-              <a:t>https://code-basics.com/ru/languages/python/lessons/default-parameters</a:t>
-            </a:r>
-            <a:r>
-              <a:rPr lang="ru-RU" dirty="0"/>
-              <a:t> (дата обращения: 28.05.2024</a:t>
-            </a:r>
-            <a:r>
-              <a:rPr lang="ru-RU" dirty="0" smtClean="0"/>
-              <a:t>)</a:t>
-            </a:r>
-          </a:p>
-          <a:p>
-            <a:pPr lvl="0"/>
-            <a:r>
-              <a:rPr lang="en-US" dirty="0" smtClean="0"/>
-              <a:t>YouTube </a:t>
-            </a:r>
-            <a:r>
-              <a:rPr lang="ru-RU" dirty="0" smtClean="0"/>
-              <a:t>// Программирование игр </a:t>
-            </a:r>
-            <a:r>
-              <a:rPr lang="ru-RU" dirty="0" err="1" smtClean="0"/>
-              <a:t>Pygame</a:t>
-            </a:r>
-            <a:r>
-              <a:rPr lang="ru-RU" dirty="0" smtClean="0"/>
-              <a:t> #32: Ввод текста – </a:t>
-            </a:r>
-            <a:r>
-              <a:rPr lang="en-US" dirty="0" smtClean="0"/>
-              <a:t>URL</a:t>
-            </a:r>
-            <a:r>
-              <a:rPr lang="ru-RU" dirty="0" smtClean="0"/>
-              <a:t>: </a:t>
-            </a:r>
-            <a:r>
-              <a:rPr lang="ru-RU" u="sng" dirty="0" smtClean="0">
-                <a:hlinkClick r:id="rId8"/>
-              </a:rPr>
-              <a:t>https://www.youtube.com/watch?v=Xyfd2QBuPdo</a:t>
-            </a:r>
-            <a:r>
-              <a:rPr lang="ru-RU" dirty="0" smtClean="0"/>
-              <a:t> (дата обращения: 28.05.2024)</a:t>
-            </a:r>
-          </a:p>
-          <a:p>
-            <a:pPr lvl="0"/>
-            <a:r>
-              <a:rPr lang="ru-RU" dirty="0" err="1" smtClean="0"/>
-              <a:t>Яндекс.Дзен</a:t>
-            </a:r>
-            <a:r>
-              <a:rPr lang="ru-RU" dirty="0" smtClean="0"/>
-              <a:t> // </a:t>
-            </a:r>
-            <a:r>
-              <a:rPr lang="ru-RU" dirty="0" err="1" smtClean="0"/>
-              <a:t>The</a:t>
-            </a:r>
-            <a:r>
-              <a:rPr lang="ru-RU" dirty="0" smtClean="0"/>
-              <a:t> </a:t>
-            </a:r>
-            <a:r>
-              <a:rPr lang="ru-RU" dirty="0" err="1" smtClean="0"/>
-              <a:t>Kaktus</a:t>
-            </a:r>
-            <a:r>
-              <a:rPr lang="ru-RU" dirty="0" smtClean="0"/>
-              <a:t> // Программирование // Меню игры на </a:t>
-            </a:r>
-            <a:r>
-              <a:rPr lang="ru-RU" dirty="0" err="1" smtClean="0"/>
-              <a:t>pygame</a:t>
-            </a:r>
-            <a:r>
-              <a:rPr lang="ru-RU" dirty="0" smtClean="0"/>
-              <a:t> – </a:t>
-            </a:r>
-            <a:r>
-              <a:rPr lang="en-US" dirty="0" smtClean="0"/>
-              <a:t>URL</a:t>
-            </a:r>
-            <a:r>
-              <a:rPr lang="ru-RU" dirty="0" smtClean="0"/>
-              <a:t>: </a:t>
-            </a:r>
-            <a:r>
-              <a:rPr lang="ru-RU" u="sng" dirty="0" smtClean="0">
-                <a:hlinkClick r:id="rId9"/>
-              </a:rPr>
-              <a:t>https://dzen.ru/a/Y4Swlyu-kDD5k5rS</a:t>
-            </a:r>
-            <a:r>
-              <a:rPr lang="ru-RU" dirty="0" smtClean="0"/>
-              <a:t> (дата обращения: 28.05.2024)</a:t>
-            </a:r>
-            <a:endParaRPr lang="ru-RU" dirty="0"/>
-          </a:p>
-        </p:txBody>
-      </p:sp>
-    </p:spTree>
-    <p:extLst>
-      <p:ext uri="{BB962C8B-B14F-4D97-AF65-F5344CB8AC3E}">
-        <p14:creationId xmlns:p14="http://schemas.microsoft.com/office/powerpoint/2010/main" val="454210900"/>
-      </p:ext>
-    </p:extLst>
-  </p:cSld>
-  <p:clrMapOvr>
-    <a:masterClrMapping/>
-  </p:clrMapOvr>
-  <p:timing>
-    <p:tnLst>
-      <p:par>
-        <p:cTn id="1" dur="indefinite" restart="never" nodeType="tmRoot"/>
-      </p:par>
-    </p:tnLst>
-  </p:timing>
-</p:sld>
-</file>
-
-<file path=ppt/slides/slide13.xml><?xml version="1.0" encoding="utf-8"?>
-<p:sld xmlns:a="http://schemas.openxmlformats.org/drawingml/2006/main" xmlns:r="http://schemas.openxmlformats.org/officeDocument/2006/relationships" xmlns:p="http://schemas.openxmlformats.org/presentationml/2006/main">
-  <p:cSld>
-    <p:spTree>
-      <p:nvGrpSpPr>
-        <p:cNvPr id="1" name=""/>
-        <p:cNvGrpSpPr/>
-        <p:nvPr/>
-      </p:nvGrpSpPr>
-      <p:grpSpPr>
-        <a:xfrm>
-          <a:off x="0" y="0"/>
-          <a:ext cx="0" cy="0"/>
-          <a:chOff x="0" y="0"/>
-          <a:chExt cx="0" cy="0"/>
-        </a:xfrm>
-      </p:grpSpPr>
-      <p:sp>
-        <p:nvSpPr>
-          <p:cNvPr id="2" name="Заголовок 1"/>
-          <p:cNvSpPr>
-            <a:spLocks noGrp="1"/>
-          </p:cNvSpPr>
-          <p:nvPr>
-            <p:ph type="title"/>
-          </p:nvPr>
-        </p:nvSpPr>
-        <p:spPr/>
-        <p:txBody>
-          <a:bodyPr/>
-          <a:lstStyle/>
-          <a:p>
-            <a:r>
-              <a:rPr lang="ru-RU" b="1" dirty="0" smtClean="0"/>
               <a:t>ПРИЛОЖЕНИЕ</a:t>
             </a:r>
             <a:endParaRPr lang="ru-RU" dirty="0"/>
@@ -14650,38 +14459,32 @@
               <a:buNone/>
             </a:pPr>
             <a:r>
-              <a:rPr lang="ru-RU" dirty="0" smtClean="0"/>
+              <a:rPr lang="ru-RU" dirty="0"/>
               <a:t>	Ссылка на </a:t>
             </a:r>
             <a:r>
-              <a:rPr lang="ru-RU" dirty="0" err="1" smtClean="0"/>
+              <a:rPr lang="ru-RU" dirty="0" err="1"/>
               <a:t>репозиторий</a:t>
             </a:r>
             <a:r>
-              <a:rPr lang="ru-RU" dirty="0" smtClean="0"/>
+              <a:rPr lang="ru-RU" dirty="0"/>
               <a:t> на </a:t>
             </a:r>
             <a:r>
-              <a:rPr lang="en-US" dirty="0" smtClean="0"/>
+              <a:rPr lang="en-US" dirty="0"/>
               <a:t>GitHub</a:t>
             </a:r>
             <a:r>
-              <a:rPr lang="ru-RU" dirty="0" smtClean="0"/>
+              <a:rPr lang="ru-RU" dirty="0"/>
               <a:t>: </a:t>
             </a:r>
             <a:r>
               <a:rPr lang="ru-RU" u="sng" dirty="0">
                 <a:hlinkClick r:id="rId2"/>
               </a:rPr>
-              <a:t>https://</a:t>
-            </a:r>
-            <a:r>
-              <a:rPr lang="ru-RU" u="sng" dirty="0" smtClean="0">
-                <a:hlinkClick r:id="rId2"/>
-              </a:rPr>
-              <a:t>github.com/PolosinMaxim/CourseWork_Arcanoid</a:t>
-            </a:r>
-            <a:endParaRPr lang="en-US" u="sng" dirty="0" smtClean="0"/>
+              <a:t>https://github.com/PolosinMaxim/CourseWork_Arcanoid</a:t>
+            </a:r>
+            <a:endParaRPr lang="ru-RU" u="sng" dirty="0"/>
           </a:p>
           <a:p>
             <a:pPr marL="0" indent="0">
@@ -14692,19 +14495,11 @@
               <a:t>	</a:t>
             </a:r>
             <a:r>
-              <a:rPr lang="ru-RU" dirty="0" smtClean="0"/>
-              <a:t>Ссылка на </a:t>
-            </a:r>
-            <a:r>
-              <a:rPr lang="ru-RU" dirty="0" err="1" smtClean="0"/>
-              <a:t>репозиторий</a:t>
-            </a:r>
-            <a:r>
-              <a:rPr lang="ru-RU" dirty="0" smtClean="0"/>
-              <a:t> на</a:t>
-            </a:r>
-            <a:r>
-              <a:rPr lang="en-US" dirty="0" smtClean="0"/>
+              <a:rPr lang="ru-RU" dirty="0"/>
+              <a:t>Ссылка на репозиторий на</a:t>
+            </a:r>
+            <a:r>
+              <a:rPr lang="en-US" dirty="0"/>
               <a:t> Bitrix24:</a:t>
             </a:r>
           </a:p>
@@ -14729,7 +14524,7 @@
 </p:sld>
 </file>
 
-<file path=ppt/slides/slide14.xml><?xml version="1.0" encoding="utf-8"?>
+<file path=ppt/slides/slide13.xml><?xml version="1.0" encoding="utf-8"?>
 <p:sld xmlns:a="http://schemas.openxmlformats.org/drawingml/2006/main" xmlns:r="http://schemas.openxmlformats.org/officeDocument/2006/relationships" xmlns:p="http://schemas.openxmlformats.org/presentationml/2006/main">
   <p:cSld>
     <p:spTree>
@@ -14762,10 +14557,9 @@
           <a:lstStyle/>
           <a:p>
             <a:r>
-              <a:rPr lang="ru-RU" dirty="0" smtClean="0"/>
+              <a:rPr lang="ru-RU" dirty="0"/>
               <a:t>Спасибо за внимание</a:t>
             </a:r>
-            <a:endParaRPr lang="ru-RU" dirty="0"/>
           </a:p>
         </p:txBody>
       </p:sp>
@@ -14834,10 +14628,9 @@
           <a:lstStyle/>
           <a:p>
             <a:r>
-              <a:rPr lang="ru-RU" dirty="0" smtClean="0"/>
+              <a:rPr lang="ru-RU" dirty="0"/>
               <a:t>Цель проекта</a:t>
             </a:r>
-            <a:endParaRPr lang="ru-RU" dirty="0"/>
           </a:p>
         </p:txBody>
       </p:sp>
@@ -14848,7 +14641,7 @@
             <a:spLocks noGrp="1"/>
           </p:cNvSpPr>
           <p:nvPr>
-            <p:ph idx="1"/>
+            <p:ph sz="half" idx="1"/>
           </p:nvPr>
         </p:nvSpPr>
         <p:spPr/>
@@ -14860,16 +14653,12 @@
               <a:buNone/>
             </a:pPr>
             <a:r>
-              <a:rPr lang="en-US" dirty="0" smtClean="0"/>
+              <a:rPr lang="en-US" dirty="0"/>
               <a:t>	</a:t>
             </a:r>
             <a:r>
-              <a:rPr lang="ru-RU" dirty="0" smtClean="0"/>
-              <a:t>Главной </a:t>
-            </a:r>
-            <a:r>
               <a:rPr lang="ru-RU" dirty="0"/>
-              <a:t>целью проекта является саморазвитие, расширение навыков работы с языком </a:t>
+              <a:t>Главной целью проекта является саморазвитие, расширение навыков работы с языком </a:t>
             </a:r>
             <a:r>
               <a:rPr lang="en-US" dirty="0"/>
@@ -14877,59 +14666,16 @@
             </a:r>
             <a:r>
               <a:rPr lang="ru-RU" dirty="0"/>
-              <a:t>, его различными библиотеками, объектно-ориентированным </a:t>
-            </a:r>
-            <a:r>
-              <a:rPr lang="ru-RU" dirty="0" smtClean="0"/>
-              <a:t>программированием</a:t>
-            </a:r>
-            <a:r>
-              <a:rPr lang="en-US" dirty="0" smtClean="0"/>
+              <a:t>, его различными библиотеками, объектно-ориентированным программированием</a:t>
+            </a:r>
+            <a:r>
+              <a:rPr lang="en-US" dirty="0"/>
               <a:t>,</a:t>
             </a:r>
             <a:r>
-              <a:rPr lang="ru-RU" dirty="0" smtClean="0"/>
-              <a:t> а также в целом ознакомление </a:t>
-            </a:r>
-            <a:r>
               <a:rPr lang="ru-RU" dirty="0"/>
-              <a:t>с написанием курсовых проектов, научных </a:t>
-            </a:r>
-            <a:r>
-              <a:rPr lang="ru-RU" dirty="0" smtClean="0"/>
-              <a:t>работ.</a:t>
-            </a:r>
-            <a:endParaRPr lang="ru-RU" dirty="0"/>
-          </a:p>
-          <a:p>
-            <a:pPr marL="0" indent="0" algn="just">
-              <a:buNone/>
-            </a:pPr>
-            <a:r>
-              <a:rPr lang="ru-RU" dirty="0" smtClean="0"/>
-              <a:t>	Для </a:t>
-            </a:r>
-            <a:r>
-              <a:rPr lang="ru-RU" dirty="0"/>
-              <a:t>достижения заданной </a:t>
-            </a:r>
-            <a:r>
-              <a:rPr lang="ru-RU" dirty="0" smtClean="0"/>
-              <a:t>цели необходимо </a:t>
-            </a:r>
-            <a:r>
-              <a:rPr lang="ru-RU" dirty="0"/>
-              <a:t>рассмотреть имеющиеся программы с использованием данной библиотеки, ознакомиться с доступной литературой по данной теме, провести сравнительный анализ по игре </a:t>
-            </a:r>
-            <a:r>
-              <a:rPr lang="ru-RU" dirty="0" err="1" smtClean="0"/>
-              <a:t>Арканоид</a:t>
-            </a:r>
-            <a:r>
-              <a:rPr lang="ru-RU" dirty="0" smtClean="0"/>
-              <a:t>.</a:t>
-            </a:r>
-            <a:endParaRPr lang="ru-RU" dirty="0"/>
+              <a:t> а также в целом ознакомление с написанием курсовых проектов, научных работ.</a:t>
+            </a:r>
           </a:p>
         </p:txBody>
       </p:sp>
@@ -14979,10 +14725,9 @@
           <a:lstStyle/>
           <a:p>
             <a:r>
-              <a:rPr lang="ru-RU" dirty="0" smtClean="0"/>
+              <a:rPr lang="ru-RU" dirty="0"/>
               <a:t>Актуальность приложения</a:t>
             </a:r>
-            <a:endParaRPr lang="ru-RU" dirty="0"/>
           </a:p>
         </p:txBody>
       </p:sp>
@@ -15005,12 +14750,8 @@
               <a:buNone/>
             </a:pPr>
             <a:r>
-              <a:rPr lang="ru-RU" dirty="0" smtClean="0"/>
-              <a:t>	Как </a:t>
-            </a:r>
-            <a:r>
               <a:rPr lang="ru-RU" dirty="0"/>
-              <a:t>бы хорошо ни было открытое ПО, одна из его немногих проблем заключается в весьма узкой доступности сайтов для его распространения; требуются регистрации, есть риски взлома пароля от аккаунта, платные услуги.</a:t>
+              <a:t>	Как бы хорошо ни было открытое ПО, одна из его немногих проблем заключается в весьма узкой доступности сайтов для его распространения; требуются регистрации, есть риски взлома пароля от аккаунта, платные услуги.</a:t>
             </a:r>
           </a:p>
           <a:p>
@@ -15018,12 +14759,8 @@
               <a:buNone/>
             </a:pPr>
             <a:r>
-              <a:rPr lang="ru-RU" dirty="0" smtClean="0"/>
-              <a:t>	Наше </a:t>
-            </a:r>
-            <a:r>
               <a:rPr lang="ru-RU" dirty="0"/>
-              <a:t>же приложение </a:t>
+              <a:t>	Наше же приложение </a:t>
             </a:r>
             <a:r>
               <a:rPr lang="en-US" dirty="0" err="1"/>
@@ -15051,18 +14788,9 @@
               <a:buNone/>
             </a:pPr>
             <a:r>
-              <a:rPr lang="ru-RU" dirty="0" smtClean="0"/>
-              <a:t>	Помимо </a:t>
-            </a:r>
-            <a:r>
               <a:rPr lang="ru-RU" dirty="0"/>
-              <a:t>этого, сама игра помогает развивать геометрическое мышление и мелкую моторику пользователя</a:t>
-            </a:r>
-            <a:r>
-              <a:rPr lang="ru-RU" dirty="0" smtClean="0"/>
-              <a:t>.</a:t>
-            </a:r>
-            <a:endParaRPr lang="ru-RU" dirty="0"/>
+              <a:t>	Помимо этого, сама игра помогает развивать геометрическое мышление и мелкую моторику пользователя.</a:t>
+            </a:r>
           </a:p>
         </p:txBody>
       </p:sp>
@@ -15112,10 +14840,9 @@
           <a:lstStyle/>
           <a:p>
             <a:r>
-              <a:rPr lang="ru-RU" dirty="0" smtClean="0"/>
+              <a:rPr lang="ru-RU" dirty="0"/>
               <a:t>Технологический стек</a:t>
             </a:r>
-            <a:endParaRPr lang="ru-RU" dirty="0"/>
           </a:p>
         </p:txBody>
       </p:sp>
@@ -15138,12 +14865,8 @@
               <a:buNone/>
             </a:pPr>
             <a:r>
-              <a:rPr lang="ru-RU" dirty="0" smtClean="0"/>
-              <a:t>	Работа </a:t>
-            </a:r>
-            <a:r>
               <a:rPr lang="ru-RU" dirty="0"/>
-              <a:t>выполнена на языке программирования </a:t>
+              <a:t>	Работа выполнена на языке программирования </a:t>
             </a:r>
             <a:r>
               <a:rPr lang="en-US" dirty="0"/>
@@ -15391,107 +15114,15 @@
         </p:nvSpPr>
         <p:spPr/>
         <p:txBody>
-          <a:bodyPr/>
-          <a:lstStyle/>
-          <a:p>
-            <a:r>
-              <a:rPr lang="ru-RU" dirty="0" smtClean="0"/>
-              <a:t>Источники, структура данных</a:t>
-            </a:r>
-            <a:endParaRPr lang="ru-RU" dirty="0"/>
-          </a:p>
-        </p:txBody>
-      </p:sp>
-      <p:sp>
-        <p:nvSpPr>
-          <p:cNvPr id="5" name="Объект 4"/>
-          <p:cNvSpPr>
-            <a:spLocks noGrp="1"/>
-          </p:cNvSpPr>
-          <p:nvPr>
-            <p:ph idx="1"/>
-          </p:nvPr>
-        </p:nvSpPr>
-        <p:spPr/>
-        <p:txBody>
-          <a:bodyPr/>
-          <a:lstStyle/>
-          <a:p>
-            <a:pPr marL="0" indent="0" algn="just">
-              <a:buNone/>
-            </a:pPr>
-            <a:r>
-              <a:rPr lang="en-US" dirty="0" smtClean="0"/>
-              <a:t>	</a:t>
-            </a:r>
-            <a:r>
-              <a:rPr lang="ru-RU" dirty="0" smtClean="0"/>
-              <a:t>Все сведения, необходимые для выполнения этой курсовой, брались из различных статей по программированию на </a:t>
-            </a:r>
-            <a:r>
-              <a:rPr lang="en-US" dirty="0" err="1" smtClean="0"/>
-              <a:t>pygame</a:t>
-            </a:r>
-            <a:r>
-              <a:rPr lang="en-US" dirty="0" smtClean="0"/>
-              <a:t>.</a:t>
-            </a:r>
-            <a:endParaRPr lang="ru-RU" dirty="0"/>
-          </a:p>
-        </p:txBody>
-      </p:sp>
-    </p:spTree>
-    <p:extLst>
-      <p:ext uri="{BB962C8B-B14F-4D97-AF65-F5344CB8AC3E}">
-        <p14:creationId xmlns:p14="http://schemas.microsoft.com/office/powerpoint/2010/main" val="487139285"/>
-      </p:ext>
-    </p:extLst>
-  </p:cSld>
-  <p:clrMapOvr>
-    <a:masterClrMapping/>
-  </p:clrMapOvr>
-</p:sld>
-</file>
-
-<file path=ppt/slides/slide6.xml><?xml version="1.0" encoding="utf-8"?>
-<p:sld xmlns:a="http://schemas.openxmlformats.org/drawingml/2006/main" xmlns:r="http://schemas.openxmlformats.org/officeDocument/2006/relationships" xmlns:p="http://schemas.openxmlformats.org/presentationml/2006/main">
-  <p:cSld>
-    <p:spTree>
-      <p:nvGrpSpPr>
-        <p:cNvPr id="1" name=""/>
-        <p:cNvGrpSpPr/>
-        <p:nvPr/>
-      </p:nvGrpSpPr>
-      <p:grpSpPr>
-        <a:xfrm>
-          <a:off x="0" y="0"/>
-          <a:ext cx="0" cy="0"/>
-          <a:chOff x="0" y="0"/>
-          <a:chExt cx="0" cy="0"/>
-        </a:xfrm>
-      </p:grpSpPr>
-      <p:sp>
-        <p:nvSpPr>
-          <p:cNvPr id="2" name="Заголовок 1"/>
-          <p:cNvSpPr>
-            <a:spLocks noGrp="1"/>
-          </p:cNvSpPr>
-          <p:nvPr>
-            <p:ph type="title"/>
-          </p:nvPr>
-        </p:nvSpPr>
-        <p:spPr/>
-        <p:txBody>
           <a:bodyPr>
             <a:normAutofit fontScale="90000"/>
           </a:bodyPr>
           <a:lstStyle/>
           <a:p>
             <a:r>
-              <a:rPr lang="ru-RU" dirty="0" smtClean="0"/>
+              <a:rPr lang="ru-RU" dirty="0"/>
               <a:t>Обзор полученного интерфейса</a:t>
             </a:r>
-            <a:endParaRPr lang="ru-RU" dirty="0"/>
           </a:p>
         </p:txBody>
       </p:sp>
@@ -15522,11 +15153,7 @@
             </a:r>
             <a:r>
               <a:rPr lang="ru-RU" dirty="0"/>
-              <a:t>, и выйти из паузы нажатием на </a:t>
-            </a:r>
-            <a:r>
-              <a:rPr lang="ru-RU" dirty="0" smtClean="0"/>
-              <a:t>пробел</a:t>
+              <a:t>, и выйти из паузы нажатием на пробел</a:t>
             </a:r>
             <a:r>
               <a:rPr lang="en-US" dirty="0"/>
@@ -15597,7 +15224,7 @@
 </p:sld>
 </file>
 
-<file path=ppt/slides/slide7.xml><?xml version="1.0" encoding="utf-8"?>
+<file path=ppt/slides/slide6.xml><?xml version="1.0" encoding="utf-8"?>
 <p:sld xmlns:a="http://schemas.openxmlformats.org/drawingml/2006/main" xmlns:r="http://schemas.openxmlformats.org/officeDocument/2006/relationships" xmlns:p="http://schemas.openxmlformats.org/presentationml/2006/main">
   <p:cSld>
     <p:spTree>
@@ -15632,10 +15259,9 @@
           <a:lstStyle/>
           <a:p>
             <a:r>
-              <a:rPr lang="ru-RU" dirty="0" smtClean="0"/>
+              <a:rPr lang="ru-RU" dirty="0"/>
               <a:t>Обзор полученного интерфейса</a:t>
             </a:r>
-            <a:endParaRPr lang="ru-RU" dirty="0"/>
           </a:p>
         </p:txBody>
       </p:sp>
@@ -15656,13 +15282,8 @@
           <a:p>
             <a:r>
               <a:rPr lang="ru-RU" dirty="0"/>
-              <a:t>На экране видно поле кирпичей, каждый из которых окрашен в один из трёх цветов в зависимости от его прочности: для уничтожения красного кирпича нужно 3 удара, для синего – 2, а для белого – 1</a:t>
-            </a:r>
-            <a:r>
-              <a:rPr lang="ru-RU" dirty="0" smtClean="0"/>
-              <a:t>.</a:t>
-            </a:r>
-            <a:endParaRPr lang="ru-RU" dirty="0"/>
+              <a:t>На экране видно поле кирпичей, каждый из которых окрашен в один из трёх цветов в зависимости от его прочности: для уничтожения красного кирпича нужно 3 удара, для синего – 2, а для белого – 1.</a:t>
+            </a:r>
           </a:p>
         </p:txBody>
       </p:sp>
@@ -15702,7 +15323,7 @@
 </p:sld>
 </file>
 
-<file path=ppt/slides/slide8.xml><?xml version="1.0" encoding="utf-8"?>
+<file path=ppt/slides/slide7.xml><?xml version="1.0" encoding="utf-8"?>
 <p:sld xmlns:a="http://schemas.openxmlformats.org/drawingml/2006/main" xmlns:r="http://schemas.openxmlformats.org/officeDocument/2006/relationships" xmlns:p="http://schemas.openxmlformats.org/presentationml/2006/main">
   <p:cSld>
     <p:spTree>
@@ -15737,10 +15358,9 @@
           <a:lstStyle/>
           <a:p>
             <a:r>
-              <a:rPr lang="ru-RU" dirty="0" smtClean="0"/>
+              <a:rPr lang="ru-RU" dirty="0"/>
               <a:t>Обзор полученного интерфейса</a:t>
             </a:r>
-            <a:endParaRPr lang="ru-RU" dirty="0"/>
           </a:p>
         </p:txBody>
       </p:sp>
@@ -15763,13 +15383,8 @@
           <a:p>
             <a:r>
               <a:rPr lang="ru-RU" dirty="0"/>
-              <a:t>Есть шанс, что из разрушенных кирпичей может выпасть приз одного из трёх возможных типов: розовый шар увеличивает жизни игрока на 1, широкий синий прямоугольник расширяет биту, узкий голубой прямоугольник сужает. У биты есть максимальная и минимальная ширины</a:t>
-            </a:r>
-            <a:r>
-              <a:rPr lang="ru-RU" dirty="0" smtClean="0"/>
-              <a:t>.</a:t>
-            </a:r>
-            <a:endParaRPr lang="ru-RU" dirty="0"/>
+              <a:t>Есть шанс, что из разрушенных кирпичей может выпасть приз одного из трёх возможных типов: розовый шар увеличивает жизни игрока на 1, широкий синий прямоугольник расширяет биту, узкий голубой прямоугольник сужает. У биты есть максимальная и минимальная ширины.</a:t>
+            </a:r>
           </a:p>
         </p:txBody>
       </p:sp>
@@ -15855,7 +15470,7 @@
 </p:sld>
 </file>
 
-<file path=ppt/slides/slide9.xml><?xml version="1.0" encoding="utf-8"?>
+<file path=ppt/slides/slide8.xml><?xml version="1.0" encoding="utf-8"?>
 <p:sld xmlns:a="http://schemas.openxmlformats.org/drawingml/2006/main" xmlns:r="http://schemas.openxmlformats.org/officeDocument/2006/relationships" xmlns:p="http://schemas.openxmlformats.org/presentationml/2006/main">
   <p:cSld>
     <p:spTree>
@@ -15890,10 +15505,9 @@
           <a:lstStyle/>
           <a:p>
             <a:r>
-              <a:rPr lang="ru-RU" dirty="0" smtClean="0"/>
+              <a:rPr lang="ru-RU" dirty="0"/>
               <a:t>Обзор полученного интерфейса</a:t>
             </a:r>
-            <a:endParaRPr lang="ru-RU" dirty="0"/>
           </a:p>
         </p:txBody>
       </p:sp>
@@ -15914,21 +15528,8 @@
           <a:p>
             <a:r>
               <a:rPr lang="ru-RU" dirty="0"/>
-              <a:t>Наверху зелёными надписями отображены: очки игрока (количество </a:t>
-            </a:r>
-            <a:r>
-              <a:rPr lang="ru-RU" dirty="0" smtClean="0"/>
-              <a:t>поражённых </a:t>
-            </a:r>
-            <a:r>
-              <a:rPr lang="ru-RU" dirty="0"/>
-              <a:t>кирпичей), номер настоящего уровня, количество жизней игрока. Игра оканчивается, когда у игрока кончаются жизни</a:t>
-            </a:r>
-            <a:r>
-              <a:rPr lang="ru-RU" dirty="0" smtClean="0"/>
-              <a:t>.</a:t>
-            </a:r>
-            <a:endParaRPr lang="ru-RU" dirty="0"/>
+              <a:t>Наверху зелёными надписями отображены: очки игрока (количество поражённых кирпичей), номер настоящего уровня, количество жизней игрока. Игра оканчивается, когда у игрока кончаются жизни.</a:t>
+            </a:r>
           </a:p>
         </p:txBody>
       </p:sp>
@@ -15965,13 +15566,129 @@
   <p:clrMapOvr>
     <a:masterClrMapping/>
   </p:clrMapOvr>
-  <p:timing>
-    <p:tnLst>
-      <p:par>
-        <p:cTn id="1" dur="indefinite" restart="never" nodeType="tmRoot"/>
-      </p:par>
-    </p:tnLst>
-  </p:timing>
+</p:sld>
+</file>
+
+<file path=ppt/slides/slide9.xml><?xml version="1.0" encoding="utf-8"?>
+<p:sld xmlns:a="http://schemas.openxmlformats.org/drawingml/2006/main" xmlns:r="http://schemas.openxmlformats.org/officeDocument/2006/relationships" xmlns:p="http://schemas.openxmlformats.org/presentationml/2006/main">
+  <p:cSld>
+    <p:spTree>
+      <p:nvGrpSpPr>
+        <p:cNvPr id="1" name=""/>
+        <p:cNvGrpSpPr/>
+        <p:nvPr/>
+      </p:nvGrpSpPr>
+      <p:grpSpPr>
+        <a:xfrm>
+          <a:off x="0" y="0"/>
+          <a:ext cx="0" cy="0"/>
+          <a:chOff x="0" y="0"/>
+          <a:chExt cx="0" cy="0"/>
+        </a:xfrm>
+      </p:grpSpPr>
+      <p:sp>
+        <p:nvSpPr>
+          <p:cNvPr id="2" name="Заголовок 1"/>
+          <p:cNvSpPr>
+            <a:spLocks noGrp="1"/>
+          </p:cNvSpPr>
+          <p:nvPr>
+            <p:ph type="title"/>
+          </p:nvPr>
+        </p:nvSpPr>
+        <p:spPr/>
+        <p:txBody>
+          <a:bodyPr>
+            <a:normAutofit fontScale="90000"/>
+          </a:bodyPr>
+          <a:lstStyle/>
+          <a:p>
+            <a:r>
+              <a:rPr lang="ru-RU" dirty="0"/>
+              <a:t>Обзор полученного интерфейса</a:t>
+            </a:r>
+          </a:p>
+        </p:txBody>
+      </p:sp>
+      <p:sp>
+        <p:nvSpPr>
+          <p:cNvPr id="5" name="Текст 4"/>
+          <p:cNvSpPr>
+            <a:spLocks noGrp="1"/>
+          </p:cNvSpPr>
+          <p:nvPr>
+            <p:ph type="body" sz="half" idx="2"/>
+          </p:nvPr>
+        </p:nvSpPr>
+        <p:spPr/>
+        <p:txBody>
+          <a:bodyPr/>
+          <a:lstStyle/>
+          <a:p>
+            <a:r>
+              <a:rPr lang="ru-RU" dirty="0"/>
+              <a:t>Игра сохраняет рекорды игрока в текстовом файле, если он смог к концу игры побить один из трёх лучших, хранящихся на данный момент.</a:t>
+            </a:r>
+          </a:p>
+        </p:txBody>
+      </p:sp>
+      <p:pic>
+        <p:nvPicPr>
+          <p:cNvPr id="6" name="Рисунок 5"/>
+          <p:cNvPicPr>
+            <a:picLocks noChangeAspect="1"/>
+          </p:cNvPicPr>
+          <p:nvPr/>
+        </p:nvPicPr>
+        <p:blipFill>
+          <a:blip r:embed="rId2"/>
+          <a:stretch>
+            <a:fillRect/>
+          </a:stretch>
+        </p:blipFill>
+        <p:spPr>
+          <a:xfrm>
+            <a:off x="5298141" y="635983"/>
+            <a:ext cx="5533286" cy="3245734"/>
+          </a:xfrm>
+          <a:prstGeom prst="rect">
+            <a:avLst/>
+          </a:prstGeom>
+        </p:spPr>
+      </p:pic>
+      <p:pic>
+        <p:nvPicPr>
+          <p:cNvPr id="7" name="Рисунок 6"/>
+          <p:cNvPicPr>
+            <a:picLocks noChangeAspect="1"/>
+          </p:cNvPicPr>
+          <p:nvPr/>
+        </p:nvPicPr>
+        <p:blipFill rotWithShape="1">
+          <a:blip r:embed="rId3"/>
+          <a:srcRect r="70215" b="49801"/>
+          <a:stretch/>
+        </p:blipFill>
+        <p:spPr>
+          <a:xfrm>
+            <a:off x="6798143" y="3881717"/>
+            <a:ext cx="2791139" cy="2415988"/>
+          </a:xfrm>
+          <a:prstGeom prst="rect">
+            <a:avLst/>
+          </a:prstGeom>
+        </p:spPr>
+      </p:pic>
+    </p:spTree>
+    <p:extLst>
+      <p:ext uri="{BB962C8B-B14F-4D97-AF65-F5344CB8AC3E}">
+        <p14:creationId xmlns:p14="http://schemas.microsoft.com/office/powerpoint/2010/main" val="2569361682"/>
+      </p:ext>
+    </p:extLst>
+  </p:cSld>
+  <p:clrMapOvr>
+    <a:masterClrMapping/>
+  </p:clrMapOvr>
 </p:sld>
 </file>
 

--- a/!Полосин 4.205-2 Презентация.pptx
+++ b/!Полосин 4.205-2 Презентация.pptx
@@ -14482,32 +14482,21 @@
               <a:rPr lang="ru-RU" u="sng" dirty="0">
                 <a:hlinkClick r:id="rId2"/>
               </a:rPr>
-              <a:t>https://github.com/PolosinMaxim/CourseWork_Arcanoid</a:t>
+              <a:t>https</a:t>
+            </a:r>
+            <a:r>
+              <a:rPr lang="ru-RU" u="sng">
+                <a:hlinkClick r:id="rId2"/>
+              </a:rPr>
+              <a:t>://</a:t>
+            </a:r>
+            <a:r>
+              <a:rPr lang="ru-RU" u="sng" smtClean="0">
+                <a:hlinkClick r:id="rId2"/>
+              </a:rPr>
+              <a:t>github.com/PolosinMaxim/CourseWork_Arcanoid</a:t>
             </a:r>
             <a:endParaRPr lang="ru-RU" u="sng" dirty="0"/>
-          </a:p>
-          <a:p>
-            <a:pPr marL="0" indent="0">
-              <a:buNone/>
-            </a:pPr>
-            <a:r>
-              <a:rPr lang="en-US" dirty="0"/>
-              <a:t>	</a:t>
-            </a:r>
-            <a:r>
-              <a:rPr lang="ru-RU" dirty="0"/>
-              <a:t>Ссылка на репозиторий на</a:t>
-            </a:r>
-            <a:r>
-              <a:rPr lang="en-US" dirty="0"/>
-              <a:t> Bitrix24:</a:t>
-            </a:r>
-          </a:p>
-          <a:p>
-            <a:pPr marL="0" indent="0">
-              <a:buNone/>
-            </a:pPr>
-            <a:endParaRPr lang="ru-RU" dirty="0"/>
           </a:p>
         </p:txBody>
       </p:sp>

--- a/!Полосин 4.205-2 Презентация.pptx
+++ b/!Полосин 4.205-2 Презентация.pptx
@@ -770,7 +770,7 @@
           <a:p>
             <a:fld id="{3734CE64-4121-4E3C-B5C6-AFEBFB01DAB9}" type="datetimeFigureOut">
               <a:rPr lang="ru-RU" smtClean="0"/>
-              <a:t>13.06.2024</a:t>
+              <a:t>14.06.2024</a:t>
             </a:fld>
             <a:endParaRPr lang="ru-RU"/>
           </a:p>
@@ -1890,7 +1890,7 @@
           <a:p>
             <a:fld id="{3734CE64-4121-4E3C-B5C6-AFEBFB01DAB9}" type="datetimeFigureOut">
               <a:rPr lang="ru-RU" smtClean="0"/>
-              <a:t>13.06.2024</a:t>
+              <a:t>14.06.2024</a:t>
             </a:fld>
             <a:endParaRPr lang="ru-RU"/>
           </a:p>
@@ -2901,7 +2901,7 @@
           <a:p>
             <a:fld id="{3734CE64-4121-4E3C-B5C6-AFEBFB01DAB9}" type="datetimeFigureOut">
               <a:rPr lang="ru-RU" smtClean="0"/>
-              <a:t>13.06.2024</a:t>
+              <a:t>14.06.2024</a:t>
             </a:fld>
             <a:endParaRPr lang="ru-RU"/>
           </a:p>
@@ -4071,7 +4071,7 @@
           <a:p>
             <a:fld id="{3734CE64-4121-4E3C-B5C6-AFEBFB01DAB9}" type="datetimeFigureOut">
               <a:rPr lang="ru-RU" smtClean="0"/>
-              <a:t>13.06.2024</a:t>
+              <a:t>14.06.2024</a:t>
             </a:fld>
             <a:endParaRPr lang="ru-RU"/>
           </a:p>
@@ -5132,7 +5132,7 @@
           <a:p>
             <a:fld id="{3734CE64-4121-4E3C-B5C6-AFEBFB01DAB9}" type="datetimeFigureOut">
               <a:rPr lang="ru-RU" smtClean="0"/>
-              <a:t>13.06.2024</a:t>
+              <a:t>14.06.2024</a:t>
             </a:fld>
             <a:endParaRPr lang="ru-RU"/>
           </a:p>
@@ -5778,7 +5778,7 @@
           <a:p>
             <a:fld id="{3734CE64-4121-4E3C-B5C6-AFEBFB01DAB9}" type="datetimeFigureOut">
               <a:rPr lang="ru-RU" smtClean="0"/>
-              <a:t>13.06.2024</a:t>
+              <a:t>14.06.2024</a:t>
             </a:fld>
             <a:endParaRPr lang="ru-RU"/>
           </a:p>
@@ -6625,7 +6625,7 @@
           <a:p>
             <a:fld id="{3734CE64-4121-4E3C-B5C6-AFEBFB01DAB9}" type="datetimeFigureOut">
               <a:rPr lang="ru-RU" smtClean="0"/>
-              <a:t>13.06.2024</a:t>
+              <a:t>14.06.2024</a:t>
             </a:fld>
             <a:endParaRPr lang="ru-RU"/>
           </a:p>
@@ -6800,7 +6800,7 @@
           <a:p>
             <a:fld id="{3734CE64-4121-4E3C-B5C6-AFEBFB01DAB9}" type="datetimeFigureOut">
               <a:rPr lang="ru-RU" smtClean="0"/>
-              <a:t>13.06.2024</a:t>
+              <a:t>14.06.2024</a:t>
             </a:fld>
             <a:endParaRPr lang="ru-RU"/>
           </a:p>
@@ -7798,7 +7798,7 @@
           <a:p>
             <a:fld id="{3734CE64-4121-4E3C-B5C6-AFEBFB01DAB9}" type="datetimeFigureOut">
               <a:rPr lang="ru-RU" smtClean="0"/>
-              <a:t>13.06.2024</a:t>
+              <a:t>14.06.2024</a:t>
             </a:fld>
             <a:endParaRPr lang="ru-RU"/>
           </a:p>
@@ -8004,7 +8004,7 @@
           <a:p>
             <a:fld id="{3734CE64-4121-4E3C-B5C6-AFEBFB01DAB9}" type="datetimeFigureOut">
               <a:rPr lang="ru-RU" smtClean="0"/>
-              <a:t>13.06.2024</a:t>
+              <a:t>14.06.2024</a:t>
             </a:fld>
             <a:endParaRPr lang="ru-RU"/>
           </a:p>
@@ -9066,7 +9066,7 @@
           <a:p>
             <a:fld id="{3734CE64-4121-4E3C-B5C6-AFEBFB01DAB9}" type="datetimeFigureOut">
               <a:rPr lang="ru-RU" smtClean="0"/>
-              <a:t>13.06.2024</a:t>
+              <a:t>14.06.2024</a:t>
             </a:fld>
             <a:endParaRPr lang="ru-RU"/>
           </a:p>
@@ -9338,7 +9338,7 @@
           <a:p>
             <a:fld id="{3734CE64-4121-4E3C-B5C6-AFEBFB01DAB9}" type="datetimeFigureOut">
               <a:rPr lang="ru-RU" smtClean="0"/>
-              <a:t>13.06.2024</a:t>
+              <a:t>14.06.2024</a:t>
             </a:fld>
             <a:endParaRPr lang="ru-RU"/>
           </a:p>
@@ -9720,7 +9720,7 @@
           <a:p>
             <a:fld id="{3734CE64-4121-4E3C-B5C6-AFEBFB01DAB9}" type="datetimeFigureOut">
               <a:rPr lang="ru-RU" smtClean="0"/>
-              <a:t>13.06.2024</a:t>
+              <a:t>14.06.2024</a:t>
             </a:fld>
             <a:endParaRPr lang="ru-RU"/>
           </a:p>
@@ -9838,7 +9838,7 @@
           <a:p>
             <a:fld id="{3734CE64-4121-4E3C-B5C6-AFEBFB01DAB9}" type="datetimeFigureOut">
               <a:rPr lang="ru-RU" smtClean="0"/>
-              <a:t>13.06.2024</a:t>
+              <a:t>14.06.2024</a:t>
             </a:fld>
             <a:endParaRPr lang="ru-RU"/>
           </a:p>
@@ -9933,7 +9933,7 @@
           <a:p>
             <a:fld id="{3734CE64-4121-4E3C-B5C6-AFEBFB01DAB9}" type="datetimeFigureOut">
               <a:rPr lang="ru-RU" smtClean="0"/>
-              <a:t>13.06.2024</a:t>
+              <a:t>14.06.2024</a:t>
             </a:fld>
             <a:endParaRPr lang="ru-RU"/>
           </a:p>
@@ -11042,7 +11042,7 @@
           <a:p>
             <a:fld id="{3734CE64-4121-4E3C-B5C6-AFEBFB01DAB9}" type="datetimeFigureOut">
               <a:rPr lang="ru-RU" smtClean="0"/>
-              <a:t>13.06.2024</a:t>
+              <a:t>14.06.2024</a:t>
             </a:fld>
             <a:endParaRPr lang="ru-RU"/>
           </a:p>
@@ -12175,7 +12175,7 @@
           <a:p>
             <a:fld id="{3734CE64-4121-4E3C-B5C6-AFEBFB01DAB9}" type="datetimeFigureOut">
               <a:rPr lang="ru-RU" smtClean="0"/>
-              <a:t>13.06.2024</a:t>
+              <a:t>14.06.2024</a:t>
             </a:fld>
             <a:endParaRPr lang="ru-RU"/>
           </a:p>
@@ -13203,7 +13203,7 @@
           <a:p>
             <a:fld id="{3734CE64-4121-4E3C-B5C6-AFEBFB01DAB9}" type="datetimeFigureOut">
               <a:rPr lang="ru-RU" smtClean="0"/>
-              <a:t>13.06.2024</a:t>
+              <a:t>14.06.2024</a:t>
             </a:fld>
             <a:endParaRPr lang="ru-RU"/>
           </a:p>
@@ -14311,20 +14311,20 @@
               <a:buAutoNum type="arabicPeriod"/>
             </a:pPr>
             <a:r>
+              <a:rPr lang="en-US" smtClean="0"/>
+              <a:t>YouTube </a:t>
+            </a:r>
+            <a:r>
+              <a:rPr lang="ru-RU" dirty="0"/>
+              <a:t>// Программирование игр </a:t>
+            </a:r>
+            <a:r>
               <a:rPr lang="ru-RU" dirty="0" err="1"/>
-              <a:t>CodeBasics</a:t>
+              <a:t>Pygame</a:t>
             </a:r>
             <a:r>
               <a:rPr lang="ru-RU" dirty="0"/>
-              <a:t> // </a:t>
-            </a:r>
-            <a:r>
-              <a:rPr lang="ru-RU" dirty="0" err="1"/>
-              <a:t>Python</a:t>
-            </a:r>
-            <a:r>
-              <a:rPr lang="ru-RU" dirty="0"/>
-              <a:t> // Необязательные параметры функций – </a:t>
+              <a:t> #32: Ввод текста – </a:t>
             </a:r>
             <a:r>
               <a:rPr lang="en-US" dirty="0"/>
@@ -14337,46 +14337,6 @@
             <a:r>
               <a:rPr lang="ru-RU" u="sng" dirty="0">
                 <a:hlinkClick r:id="rId7"/>
-              </a:rPr>
-              <a:t>https://code-basics.com/ru/languages/python/lessons/default-parameters</a:t>
-            </a:r>
-            <a:r>
-              <a:rPr lang="ru-RU" dirty="0"/>
-              <a:t> (дата обращения: 28.05.2024)</a:t>
-            </a:r>
-          </a:p>
-          <a:p>
-            <a:pPr lvl="0">
-              <a:buFont typeface="+mj-lt"/>
-              <a:buAutoNum type="arabicPeriod"/>
-            </a:pPr>
-            <a:r>
-              <a:rPr lang="en-US" dirty="0"/>
-              <a:t>YouTube </a:t>
-            </a:r>
-            <a:r>
-              <a:rPr lang="ru-RU" dirty="0"/>
-              <a:t>// Программирование игр </a:t>
-            </a:r>
-            <a:r>
-              <a:rPr lang="ru-RU" dirty="0" err="1"/>
-              <a:t>Pygame</a:t>
-            </a:r>
-            <a:r>
-              <a:rPr lang="ru-RU" dirty="0"/>
-              <a:t> #32: Ввод текста – </a:t>
-            </a:r>
-            <a:r>
-              <a:rPr lang="en-US" dirty="0"/>
-              <a:t>URL</a:t>
-            </a:r>
-            <a:r>
-              <a:rPr lang="ru-RU" dirty="0"/>
-              <a:t>: </a:t>
-            </a:r>
-            <a:r>
-              <a:rPr lang="ru-RU" u="sng" dirty="0">
-                <a:hlinkClick r:id="rId8"/>
               </a:rPr>
               <a:t>https://www.youtube.com/watch?v=Xyfd2QBuPdo</a:t>
             </a:r>
@@ -14668,6 +14628,88 @@
           </a:p>
         </p:txBody>
       </p:sp>
+      <p:pic>
+        <p:nvPicPr>
+          <p:cNvPr id="1026" name="Picture 2" descr="Объектно-ориентированное программирование с помощью Python - купить с  доставкой по выгодным ценам в интернет-магазине OZON (1323118848)"/>
+          <p:cNvPicPr>
+            <a:picLocks noChangeAspect="1" noChangeArrowheads="1"/>
+          </p:cNvPicPr>
+          <p:nvPr/>
+        </p:nvPicPr>
+        <p:blipFill>
+          <a:blip r:embed="rId2" cstate="print">
+            <a:extLst>
+              <a:ext uri="{28A0092B-C50C-407E-A947-70E740481C1C}">
+                <a14:useLocalDpi xmlns:a14="http://schemas.microsoft.com/office/drawing/2010/main" val="0"/>
+              </a:ext>
+            </a:extLst>
+          </a:blip>
+          <a:srcRect/>
+          <a:stretch>
+            <a:fillRect/>
+          </a:stretch>
+        </p:blipFill>
+        <p:spPr bwMode="auto">
+          <a:xfrm>
+            <a:off x="6262955" y="2603500"/>
+            <a:ext cx="1980693" cy="2679909"/>
+          </a:xfrm>
+          <a:prstGeom prst="rect">
+            <a:avLst/>
+          </a:prstGeom>
+          <a:noFill/>
+          <a:extLst>
+            <a:ext uri="{909E8E84-426E-40DD-AFC4-6F175D3DCCD1}">
+              <a14:hiddenFill xmlns:a14="http://schemas.microsoft.com/office/drawing/2010/main">
+                <a:solidFill>
+                  <a:srgbClr val="FFFFFF"/>
+                </a:solidFill>
+              </a14:hiddenFill>
+            </a:ext>
+          </a:extLst>
+        </p:spPr>
+      </p:pic>
+      <p:pic>
+        <p:nvPicPr>
+          <p:cNvPr id="1032" name="Picture 8" descr="Как подобрать тему курсовой работы по педагогике? | Документы XX века"/>
+          <p:cNvPicPr>
+            <a:picLocks noChangeAspect="1" noChangeArrowheads="1"/>
+          </p:cNvPicPr>
+          <p:nvPr/>
+        </p:nvPicPr>
+        <p:blipFill>
+          <a:blip r:embed="rId3">
+            <a:extLst>
+              <a:ext uri="{28A0092B-C50C-407E-A947-70E740481C1C}">
+                <a14:useLocalDpi xmlns:a14="http://schemas.microsoft.com/office/drawing/2010/main" val="0"/>
+              </a:ext>
+            </a:extLst>
+          </a:blip>
+          <a:srcRect/>
+          <a:stretch>
+            <a:fillRect/>
+          </a:stretch>
+        </p:blipFill>
+        <p:spPr bwMode="auto">
+          <a:xfrm>
+            <a:off x="8526491" y="2603500"/>
+            <a:ext cx="3028200" cy="2013754"/>
+          </a:xfrm>
+          <a:prstGeom prst="rect">
+            <a:avLst/>
+          </a:prstGeom>
+          <a:noFill/>
+          <a:extLst>
+            <a:ext uri="{909E8E84-426E-40DD-AFC4-6F175D3DCCD1}">
+              <a14:hiddenFill xmlns:a14="http://schemas.microsoft.com/office/drawing/2010/main">
+                <a:solidFill>
+                  <a:srgbClr val="FFFFFF"/>
+                </a:solidFill>
+              </a14:hiddenFill>
+            </a:ext>
+          </a:extLst>
+        </p:spPr>
+      </p:pic>
     </p:spTree>
     <p:extLst>
       <p:ext uri="{BB962C8B-B14F-4D97-AF65-F5344CB8AC3E}">
